--- a/中期答辩.pptx
+++ b/中期答辩.pptx
@@ -5,33 +5,31 @@
     <p:sldMasterId id="2147483648" r:id="rId1"/>
   </p:sldMasterIdLst>
   <p:notesMasterIdLst>
-    <p:notesMasterId r:id="rId23"/>
+    <p:notesMasterId r:id="rId21"/>
   </p:notesMasterIdLst>
   <p:handoutMasterIdLst>
-    <p:handoutMasterId r:id="rId24"/>
+    <p:handoutMasterId r:id="rId22"/>
   </p:handoutMasterIdLst>
   <p:sldIdLst>
     <p:sldId id="284" r:id="rId2"/>
     <p:sldId id="277" r:id="rId3"/>
     <p:sldId id="274" r:id="rId4"/>
     <p:sldId id="282" r:id="rId5"/>
-    <p:sldId id="294" r:id="rId6"/>
-    <p:sldId id="319" r:id="rId7"/>
-    <p:sldId id="328" r:id="rId8"/>
-    <p:sldId id="312" r:id="rId9"/>
-    <p:sldId id="317" r:id="rId10"/>
-    <p:sldId id="318" r:id="rId11"/>
-    <p:sldId id="315" r:id="rId12"/>
-    <p:sldId id="323" r:id="rId13"/>
-    <p:sldId id="324" r:id="rId14"/>
-    <p:sldId id="325" r:id="rId15"/>
-    <p:sldId id="326" r:id="rId16"/>
-    <p:sldId id="314" r:id="rId17"/>
-    <p:sldId id="327" r:id="rId18"/>
-    <p:sldId id="265" r:id="rId19"/>
-    <p:sldId id="268" r:id="rId20"/>
-    <p:sldId id="269" r:id="rId21"/>
-    <p:sldId id="270" r:id="rId22"/>
+    <p:sldId id="319" r:id="rId6"/>
+    <p:sldId id="312" r:id="rId7"/>
+    <p:sldId id="317" r:id="rId8"/>
+    <p:sldId id="318" r:id="rId9"/>
+    <p:sldId id="315" r:id="rId10"/>
+    <p:sldId id="323" r:id="rId11"/>
+    <p:sldId id="324" r:id="rId12"/>
+    <p:sldId id="325" r:id="rId13"/>
+    <p:sldId id="326" r:id="rId14"/>
+    <p:sldId id="314" r:id="rId15"/>
+    <p:sldId id="327" r:id="rId16"/>
+    <p:sldId id="265" r:id="rId17"/>
+    <p:sldId id="268" r:id="rId18"/>
+    <p:sldId id="269" r:id="rId19"/>
+    <p:sldId id="270" r:id="rId20"/>
   </p:sldIdLst>
   <p:sldSz cx="12192000" cy="6858000"/>
   <p:notesSz cx="6858000" cy="9144000"/>
@@ -242,7 +240,7 @@
                 <a:latin typeface="微软雅黑" panose="020B0503020204020204" pitchFamily="34" charset="-122"/>
                 <a:ea typeface="微软雅黑" panose="020B0503020204020204" pitchFamily="34" charset="-122"/>
               </a:rPr>
-              <a:t>2019年11月25日</a:t>
+              <a:t>2019年11月26日</a:t>
             </a:fld>
             <a:endParaRPr lang="zh-CN" altLang="en-US" dirty="0">
               <a:latin typeface="微软雅黑" panose="020B0503020204020204" pitchFamily="34" charset="-122"/>
@@ -428,7 +426,7 @@
             <a:fld id="{EA50F75F-AD11-4973-BAED-59A0098129E9}" type="datetime2">
               <a:rPr lang="zh-CN" altLang="en-US" smtClean="0"/>
               <a:pPr/>
-              <a:t>2019年11月25日</a:t>
+              <a:t>2019年11月26日</a:t>
             </a:fld>
             <a:endParaRPr lang="zh-CN" altLang="en-US" dirty="0"/>
           </a:p>
@@ -1122,7 +1120,7 @@
             <a:pPr rtl="0"/>
             <a:fld id="{82869989-EB00-4EE7-BCB5-25BDC5BB29F8}" type="slidenum">
               <a:rPr lang="en-US" altLang="zh-CN" smtClean="0"/>
-              <a:t>8</a:t>
+              <a:t>6</a:t>
             </a:fld>
             <a:endParaRPr lang="zh-CN" altLang="en-US" dirty="0"/>
           </a:p>
@@ -1210,7 +1208,7 @@
             <a:pPr rtl="0"/>
             <a:fld id="{82869989-EB00-4EE7-BCB5-25BDC5BB29F8}" type="slidenum">
               <a:rPr lang="en-US" altLang="zh-CN" smtClean="0"/>
-              <a:t>16</a:t>
+              <a:t>14</a:t>
             </a:fld>
             <a:endParaRPr lang="zh-CN" altLang="en-US" dirty="0"/>
           </a:p>
@@ -1298,7 +1296,7 @@
             <a:pPr rtl="0"/>
             <a:fld id="{82869989-EB00-4EE7-BCB5-25BDC5BB29F8}" type="slidenum">
               <a:rPr lang="en-US" altLang="zh-CN" smtClean="0"/>
-              <a:t>18</a:t>
+              <a:t>16</a:t>
             </a:fld>
             <a:endParaRPr lang="zh-CN" altLang="en-US" dirty="0"/>
           </a:p>
@@ -1386,7 +1384,7 @@
             <a:pPr rtl="0"/>
             <a:fld id="{82869989-EB00-4EE7-BCB5-25BDC5BB29F8}" type="slidenum">
               <a:rPr lang="en-US" altLang="zh-CN" smtClean="0"/>
-              <a:t>19</a:t>
+              <a:t>17</a:t>
             </a:fld>
             <a:endParaRPr lang="zh-CN" altLang="en-US" dirty="0"/>
           </a:p>
@@ -1474,7 +1472,7 @@
             <a:pPr rtl="0"/>
             <a:fld id="{82869989-EB00-4EE7-BCB5-25BDC5BB29F8}" type="slidenum">
               <a:rPr lang="en-US" altLang="zh-CN" smtClean="0"/>
-              <a:t>20</a:t>
+              <a:t>18</a:t>
             </a:fld>
             <a:endParaRPr lang="zh-CN" altLang="en-US" dirty="0"/>
           </a:p>
@@ -3650,7 +3648,7 @@
             <a:fld id="{5449DBDA-CE7C-4E9D-B055-39B80B798BAE}" type="datetime2">
               <a:rPr lang="zh-CN" altLang="en-US" smtClean="0"/>
               <a:pPr/>
-              <a:t>2019年11月25日</a:t>
+              <a:t>2019年11月26日</a:t>
             </a:fld>
             <a:endParaRPr lang="zh-CN" altLang="en-US" dirty="0"/>
           </a:p>
@@ -3853,7 +3851,7 @@
             <a:fld id="{EF210B5A-AA01-419B-805F-32B7A7B038C7}" type="datetime2">
               <a:rPr lang="zh-CN" altLang="en-US" smtClean="0"/>
               <a:pPr/>
-              <a:t>2019年11月25日</a:t>
+              <a:t>2019年11月26日</a:t>
             </a:fld>
             <a:endParaRPr lang="zh-CN" altLang="en-US" dirty="0"/>
           </a:p>
@@ -4046,7 +4044,7 @@
             <a:fld id="{5B21F106-0919-44CF-AC0D-F9106B3B2262}" type="datetime2">
               <a:rPr lang="zh-CN" altLang="en-US" smtClean="0"/>
               <a:pPr/>
-              <a:t>2019年11月25日</a:t>
+              <a:t>2019年11月26日</a:t>
             </a:fld>
             <a:endParaRPr lang="zh-CN" altLang="en-US" dirty="0"/>
           </a:p>
@@ -6402,7 +6400,7 @@
             <a:fld id="{C45AD5DA-9C90-409A-AEC4-BF5AF7FBB0A8}" type="datetime2">
               <a:rPr lang="zh-CN" altLang="en-US" smtClean="0"/>
               <a:pPr/>
-              <a:t>2019年11月25日</a:t>
+              <a:t>2019年11月26日</a:t>
             </a:fld>
             <a:endParaRPr lang="zh-CN" altLang="en-US" dirty="0"/>
           </a:p>
@@ -6916,7 +6914,7 @@
             <a:fld id="{0C804EAB-EB04-4910-A5F0-0C86B02F191A}" type="datetime2">
               <a:rPr lang="zh-CN" altLang="en-US" smtClean="0"/>
               <a:pPr/>
-              <a:t>2019年11月25日</a:t>
+              <a:t>2019年11月26日</a:t>
             </a:fld>
             <a:endParaRPr lang="zh-CN" altLang="en-US" dirty="0"/>
           </a:p>
@@ -7064,7 +7062,7 @@
             <a:fld id="{F188EC63-E32B-433A-83B8-71B34F175A78}" type="datetime2">
               <a:rPr lang="zh-CN" altLang="en-US" smtClean="0"/>
               <a:pPr/>
-              <a:t>2019年11月25日</a:t>
+              <a:t>2019年11月26日</a:t>
             </a:fld>
             <a:endParaRPr lang="zh-CN" altLang="en-US" dirty="0"/>
           </a:p>
@@ -9004,7 +9002,7 @@
             <a:fld id="{4AC140E9-DB3B-4723-837F-C99C9DC2784C}" type="datetime2">
               <a:rPr lang="zh-CN" altLang="en-US" smtClean="0"/>
               <a:pPr/>
-              <a:t>2019年11月25日</a:t>
+              <a:t>2019年11月26日</a:t>
             </a:fld>
             <a:endParaRPr lang="zh-CN" altLang="en-US" dirty="0"/>
           </a:p>
@@ -11296,7 +11294,7 @@
             <a:fld id="{B432DCC3-517C-49BA-ABA2-B2F6E7404DD7}" type="datetime2">
               <a:rPr lang="zh-CN" altLang="en-US" smtClean="0"/>
               <a:pPr/>
-              <a:t>2019年11月25日</a:t>
+              <a:t>2019年11月26日</a:t>
             </a:fld>
             <a:endParaRPr lang="zh-CN" altLang="en-US" dirty="0"/>
           </a:p>
@@ -15610,7 +15608,7 @@
             <a:fld id="{842AB2F4-CB8F-4035-AA58-04A5ACD03934}" type="datetime2">
               <a:rPr lang="zh-CN" altLang="en-US" smtClean="0"/>
               <a:pPr/>
-              <a:t>2019年11月25日</a:t>
+              <a:t>2019年11月26日</a:t>
             </a:fld>
             <a:endParaRPr lang="zh-CN" altLang="en-US" dirty="0"/>
           </a:p>
@@ -16215,974 +16213,6 @@
       </p:grpSpPr>
       <p:sp>
         <p:nvSpPr>
-          <p:cNvPr id="16" name="标题 1">
-            <a:extLst>
-              <a:ext uri="{FF2B5EF4-FFF2-40B4-BE49-F238E27FC236}">
-                <a16:creationId xmlns:a16="http://schemas.microsoft.com/office/drawing/2014/main" id="{06E7B08B-B767-44E0-A361-AAF610A930D2}"/>
-              </a:ext>
-            </a:extLst>
-          </p:cNvPr>
-          <p:cNvSpPr txBox="1">
-            <a:spLocks/>
-          </p:cNvSpPr>
-          <p:nvPr/>
-        </p:nvSpPr>
-        <p:spPr>
-          <a:xfrm>
-            <a:off x="1077094" y="415637"/>
-            <a:ext cx="9601200" cy="1142385"/>
-          </a:xfrm>
-          <a:prstGeom prst="rect">
-            <a:avLst/>
-          </a:prstGeom>
-        </p:spPr>
-        <p:txBody>
-          <a:bodyPr vert="horz" lIns="91440" tIns="45720" rIns="91440" bIns="45720" rtlCol="0" anchor="b">
-            <a:normAutofit/>
-          </a:bodyPr>
-          <a:lstStyle>
-            <a:lvl1pPr algn="l" defTabSz="914400" rtl="0" eaLnBrk="1" latinLnBrk="0" hangingPunct="1">
-              <a:lnSpc>
-                <a:spcPct val="90000"/>
-              </a:lnSpc>
-              <a:spcBef>
-                <a:spcPct val="0"/>
-              </a:spcBef>
-              <a:buNone/>
-              <a:defRPr sz="3200" b="1" kern="1200">
-                <a:solidFill>
-                  <a:schemeClr val="accent1">
-                    <a:lumMod val="75000"/>
-                  </a:schemeClr>
-                </a:solidFill>
-                <a:latin typeface="微软雅黑" panose="020B0503020204020204" pitchFamily="34" charset="-122"/>
-                <a:ea typeface="微软雅黑" panose="020B0503020204020204" pitchFamily="34" charset="-122"/>
-                <a:cs typeface="+mj-cs"/>
-              </a:defRPr>
-            </a:lvl1pPr>
-          </a:lstStyle>
-          <a:p>
-            <a:pPr marL="457200" indent="-457200">
-              <a:buFont typeface="Arial" panose="020B0604020202020204" pitchFamily="34" charset="0"/>
-              <a:buChar char="•"/>
-            </a:pPr>
-            <a:r>
-              <a:rPr lang="en-US" altLang="zh-CN" sz="4000" dirty="0"/>
-              <a:t>Design flow</a:t>
-            </a:r>
-            <a:endParaRPr lang="zh-CN" altLang="en-US" sz="4000" dirty="0"/>
-          </a:p>
-        </p:txBody>
-      </p:sp>
-      <p:sp>
-        <p:nvSpPr>
-          <p:cNvPr id="4" name="文本框 3">
-            <a:extLst>
-              <a:ext uri="{FF2B5EF4-FFF2-40B4-BE49-F238E27FC236}">
-                <a16:creationId xmlns:a16="http://schemas.microsoft.com/office/drawing/2014/main" id="{B4DB7DD8-93CD-4292-AA26-6C4274B57AC4}"/>
-              </a:ext>
-            </a:extLst>
-          </p:cNvPr>
-          <p:cNvSpPr txBox="1"/>
-          <p:nvPr/>
-        </p:nvSpPr>
-        <p:spPr>
-          <a:xfrm>
-            <a:off x="1580507" y="2183985"/>
-            <a:ext cx="1533831" cy="1169551"/>
-          </a:xfrm>
-          <a:prstGeom prst="rect">
-            <a:avLst/>
-          </a:prstGeom>
-          <a:noFill/>
-        </p:spPr>
-        <p:txBody>
-          <a:bodyPr wrap="square" rtlCol="0">
-            <a:spAutoFit/>
-          </a:bodyPr>
-          <a:lstStyle/>
-          <a:p>
-            <a:r>
-              <a:rPr lang="zh-CN" altLang="en-US" sz="7000" dirty="0"/>
-              <a:t>💻</a:t>
-            </a:r>
-          </a:p>
-        </p:txBody>
-      </p:sp>
-      <p:sp>
-        <p:nvSpPr>
-          <p:cNvPr id="6" name="文本框 5">
-            <a:extLst>
-              <a:ext uri="{FF2B5EF4-FFF2-40B4-BE49-F238E27FC236}">
-                <a16:creationId xmlns:a16="http://schemas.microsoft.com/office/drawing/2014/main" id="{920AF453-F116-49A4-A6FF-C0A84E65C436}"/>
-              </a:ext>
-            </a:extLst>
-          </p:cNvPr>
-          <p:cNvSpPr txBox="1"/>
-          <p:nvPr/>
-        </p:nvSpPr>
-        <p:spPr>
-          <a:xfrm>
-            <a:off x="8870522" y="2126481"/>
-            <a:ext cx="1080655" cy="1169551"/>
-          </a:xfrm>
-          <a:prstGeom prst="rect">
-            <a:avLst/>
-          </a:prstGeom>
-          <a:noFill/>
-        </p:spPr>
-        <p:txBody>
-          <a:bodyPr wrap="square" rtlCol="0">
-            <a:spAutoFit/>
-          </a:bodyPr>
-          <a:lstStyle/>
-          <a:p>
-            <a:r>
-              <a:rPr lang="zh-CN" altLang="en-US" sz="7000" dirty="0"/>
-              <a:t>📱</a:t>
-            </a:r>
-          </a:p>
-        </p:txBody>
-      </p:sp>
-      <p:sp>
-        <p:nvSpPr>
-          <p:cNvPr id="5" name="文本框 4">
-            <a:extLst>
-              <a:ext uri="{FF2B5EF4-FFF2-40B4-BE49-F238E27FC236}">
-                <a16:creationId xmlns:a16="http://schemas.microsoft.com/office/drawing/2014/main" id="{6D872C21-3E77-4756-AA51-DCAC63813588}"/>
-              </a:ext>
-            </a:extLst>
-          </p:cNvPr>
-          <p:cNvSpPr txBox="1"/>
-          <p:nvPr/>
-        </p:nvSpPr>
-        <p:spPr>
-          <a:xfrm>
-            <a:off x="5216075" y="4683226"/>
-            <a:ext cx="1313411" cy="861774"/>
-          </a:xfrm>
-          <a:prstGeom prst="rect">
-            <a:avLst/>
-          </a:prstGeom>
-          <a:noFill/>
-        </p:spPr>
-        <p:txBody>
-          <a:bodyPr wrap="square" rtlCol="0">
-            <a:spAutoFit/>
-          </a:bodyPr>
-          <a:lstStyle/>
-          <a:p>
-            <a:r>
-              <a:rPr lang="zh-CN" altLang="en-US" sz="5000" dirty="0"/>
-              <a:t> 🤖</a:t>
-            </a:r>
-          </a:p>
-        </p:txBody>
-      </p:sp>
-      <p:cxnSp>
-        <p:nvCxnSpPr>
-          <p:cNvPr id="8" name="直接箭头连接符 7">
-            <a:extLst>
-              <a:ext uri="{FF2B5EF4-FFF2-40B4-BE49-F238E27FC236}">
-                <a16:creationId xmlns:a16="http://schemas.microsoft.com/office/drawing/2014/main" id="{3825B9EC-BD70-413F-8BA1-D4F374310192}"/>
-              </a:ext>
-            </a:extLst>
-          </p:cNvPr>
-          <p:cNvCxnSpPr>
-            <a:cxnSpLocks/>
-          </p:cNvCxnSpPr>
-          <p:nvPr/>
-        </p:nvCxnSpPr>
-        <p:spPr>
-          <a:xfrm>
-            <a:off x="2770909" y="3222858"/>
-            <a:ext cx="2593571" cy="1942117"/>
-          </a:xfrm>
-          <a:prstGeom prst="straightConnector1">
-            <a:avLst/>
-          </a:prstGeom>
-          <a:ln w="38100" cmpd="sng">
-            <a:headEnd type="arrow" w="lg" len="med"/>
-            <a:tailEnd type="arrow" w="lg" len="med"/>
-          </a:ln>
-        </p:spPr>
-        <p:style>
-          <a:lnRef idx="1">
-            <a:schemeClr val="accent1"/>
-          </a:lnRef>
-          <a:fillRef idx="0">
-            <a:schemeClr val="accent1"/>
-          </a:fillRef>
-          <a:effectRef idx="0">
-            <a:schemeClr val="accent1"/>
-          </a:effectRef>
-          <a:fontRef idx="minor">
-            <a:schemeClr val="tx1"/>
-          </a:fontRef>
-        </p:style>
-      </p:cxnSp>
-      <p:cxnSp>
-        <p:nvCxnSpPr>
-          <p:cNvPr id="10" name="直接箭头连接符 9">
-            <a:extLst>
-              <a:ext uri="{FF2B5EF4-FFF2-40B4-BE49-F238E27FC236}">
-                <a16:creationId xmlns:a16="http://schemas.microsoft.com/office/drawing/2014/main" id="{78594FAC-F731-4F97-B979-F5B6B9916399}"/>
-              </a:ext>
-            </a:extLst>
-          </p:cNvPr>
-          <p:cNvCxnSpPr>
-            <a:cxnSpLocks/>
-          </p:cNvCxnSpPr>
-          <p:nvPr/>
-        </p:nvCxnSpPr>
-        <p:spPr>
-          <a:xfrm flipH="1">
-            <a:off x="6395259" y="3353536"/>
-            <a:ext cx="2665614" cy="1811439"/>
-          </a:xfrm>
-          <a:prstGeom prst="straightConnector1">
-            <a:avLst/>
-          </a:prstGeom>
-          <a:ln w="38100" cmpd="sng">
-            <a:headEnd type="arrow" w="lg" len="med"/>
-            <a:tailEnd type="none" w="lg" len="med"/>
-          </a:ln>
-        </p:spPr>
-        <p:style>
-          <a:lnRef idx="1">
-            <a:schemeClr val="accent1"/>
-          </a:lnRef>
-          <a:fillRef idx="0">
-            <a:schemeClr val="accent1"/>
-          </a:fillRef>
-          <a:effectRef idx="0">
-            <a:schemeClr val="accent1"/>
-          </a:effectRef>
-          <a:fontRef idx="minor">
-            <a:schemeClr val="tx1"/>
-          </a:fontRef>
-        </p:style>
-      </p:cxnSp>
-      <p:cxnSp>
-        <p:nvCxnSpPr>
-          <p:cNvPr id="19" name="直接箭头连接符 18">
-            <a:extLst>
-              <a:ext uri="{FF2B5EF4-FFF2-40B4-BE49-F238E27FC236}">
-                <a16:creationId xmlns:a16="http://schemas.microsoft.com/office/drawing/2014/main" id="{B22D6355-3791-4277-9683-440136B0EE30}"/>
-              </a:ext>
-            </a:extLst>
-          </p:cNvPr>
-          <p:cNvCxnSpPr>
-            <a:cxnSpLocks/>
-          </p:cNvCxnSpPr>
-          <p:nvPr/>
-        </p:nvCxnSpPr>
-        <p:spPr>
-          <a:xfrm flipH="1">
-            <a:off x="2992582" y="2768761"/>
-            <a:ext cx="5818909" cy="0"/>
-          </a:xfrm>
-          <a:prstGeom prst="straightConnector1">
-            <a:avLst/>
-          </a:prstGeom>
-          <a:ln w="38100" cmpd="sng">
-            <a:headEnd type="none" w="lg" len="med"/>
-            <a:tailEnd type="arrow" w="lg" len="med"/>
-          </a:ln>
-        </p:spPr>
-        <p:style>
-          <a:lnRef idx="1">
-            <a:schemeClr val="accent1"/>
-          </a:lnRef>
-          <a:fillRef idx="0">
-            <a:schemeClr val="accent1"/>
-          </a:fillRef>
-          <a:effectRef idx="0">
-            <a:schemeClr val="accent1"/>
-          </a:effectRef>
-          <a:fontRef idx="minor">
-            <a:schemeClr val="tx1"/>
-          </a:fontRef>
-        </p:style>
-      </p:cxnSp>
-      <p:sp>
-        <p:nvSpPr>
-          <p:cNvPr id="45" name="文本框 44">
-            <a:extLst>
-              <a:ext uri="{FF2B5EF4-FFF2-40B4-BE49-F238E27FC236}">
-                <a16:creationId xmlns:a16="http://schemas.microsoft.com/office/drawing/2014/main" id="{9A9C2D94-0671-47E7-89EC-EFC2E048F6FA}"/>
-              </a:ext>
-            </a:extLst>
-          </p:cNvPr>
-          <p:cNvSpPr txBox="1"/>
-          <p:nvPr/>
-        </p:nvSpPr>
-        <p:spPr>
-          <a:xfrm>
-            <a:off x="4239610" y="2315998"/>
-            <a:ext cx="4404956" cy="861774"/>
-          </a:xfrm>
-          <a:prstGeom prst="rect">
-            <a:avLst/>
-          </a:prstGeom>
-          <a:noFill/>
-        </p:spPr>
-        <p:txBody>
-          <a:bodyPr wrap="square" rtlCol="0">
-            <a:spAutoFit/>
-          </a:bodyPr>
-          <a:lstStyle/>
-          <a:p>
-            <a:pPr marL="342900" indent="-342900">
-              <a:buAutoNum type="arabicPeriod"/>
-            </a:pPr>
-            <a:r>
-              <a:rPr lang="en-US" altLang="zh-CN" sz="2500" dirty="0">
-                <a:latin typeface="Bahnschrift SemiBold SemiConden" panose="020B0502040204020203" pitchFamily="34" charset="0"/>
-                <a:ea typeface="微软雅黑" panose="020B0503020204020204" pitchFamily="34" charset="-122"/>
-              </a:rPr>
-              <a:t>Read current state</a:t>
-            </a:r>
-          </a:p>
-          <a:p>
-            <a:pPr marL="342900" indent="-342900">
-              <a:buAutoNum type="arabicPeriod"/>
-            </a:pPr>
-            <a:r>
-              <a:rPr lang="en-US" altLang="zh-CN" sz="2500" dirty="0">
-                <a:latin typeface="Bahnschrift SemiBold SemiConden" panose="020B0502040204020203" pitchFamily="34" charset="0"/>
-                <a:ea typeface="微软雅黑" panose="020B0503020204020204" pitchFamily="34" charset="-122"/>
-              </a:rPr>
-              <a:t>Read current widgets</a:t>
-            </a:r>
-            <a:endParaRPr lang="zh-CN" altLang="en-US" sz="2500" dirty="0">
-              <a:latin typeface="Bahnschrift SemiBold SemiConden" panose="020B0502040204020203" pitchFamily="34" charset="0"/>
-              <a:ea typeface="微软雅黑" panose="020B0503020204020204" pitchFamily="34" charset="-122"/>
-            </a:endParaRPr>
-          </a:p>
-        </p:txBody>
-      </p:sp>
-      <p:sp>
-        <p:nvSpPr>
-          <p:cNvPr id="56" name="文本框 55">
-            <a:extLst>
-              <a:ext uri="{FF2B5EF4-FFF2-40B4-BE49-F238E27FC236}">
-                <a16:creationId xmlns:a16="http://schemas.microsoft.com/office/drawing/2014/main" id="{3F3BAA16-1809-4400-B7B9-E48469483398}"/>
-              </a:ext>
-            </a:extLst>
-          </p:cNvPr>
-          <p:cNvSpPr txBox="1"/>
-          <p:nvPr/>
-        </p:nvSpPr>
-        <p:spPr>
-          <a:xfrm>
-            <a:off x="1173068" y="2480356"/>
-            <a:ext cx="587431" cy="477054"/>
-          </a:xfrm>
-          <a:prstGeom prst="rect">
-            <a:avLst/>
-          </a:prstGeom>
-          <a:noFill/>
-        </p:spPr>
-        <p:txBody>
-          <a:bodyPr wrap="square" rtlCol="0">
-            <a:spAutoFit/>
-          </a:bodyPr>
-          <a:lstStyle/>
-          <a:p>
-            <a:r>
-              <a:rPr lang="en-US" altLang="zh-CN" sz="2500" dirty="0">
-                <a:solidFill>
-                  <a:schemeClr val="accent1"/>
-                </a:solidFill>
-                <a:latin typeface="Bahnschrift SemiBold SemiConden" panose="020B0502040204020203" pitchFamily="34" charset="0"/>
-                <a:ea typeface="微软雅黑" panose="020B0503020204020204" pitchFamily="34" charset="-122"/>
-              </a:rPr>
-              <a:t>PC</a:t>
-            </a:r>
-            <a:endParaRPr lang="zh-CN" altLang="en-US" sz="2500" dirty="0">
-              <a:solidFill>
-                <a:schemeClr val="accent1"/>
-              </a:solidFill>
-              <a:latin typeface="Bahnschrift SemiBold SemiConden" panose="020B0502040204020203" pitchFamily="34" charset="0"/>
-              <a:ea typeface="微软雅黑" panose="020B0503020204020204" pitchFamily="34" charset="-122"/>
-            </a:endParaRPr>
-          </a:p>
-        </p:txBody>
-      </p:sp>
-      <p:sp>
-        <p:nvSpPr>
-          <p:cNvPr id="57" name="文本框 56">
-            <a:extLst>
-              <a:ext uri="{FF2B5EF4-FFF2-40B4-BE49-F238E27FC236}">
-                <a16:creationId xmlns:a16="http://schemas.microsoft.com/office/drawing/2014/main" id="{A8FC0D08-5992-4131-B00E-05385A0CC0B6}"/>
-              </a:ext>
-            </a:extLst>
-          </p:cNvPr>
-          <p:cNvSpPr txBox="1"/>
-          <p:nvPr/>
-        </p:nvSpPr>
-        <p:spPr>
-          <a:xfrm>
-            <a:off x="9777177" y="2301683"/>
-            <a:ext cx="1438728" cy="861774"/>
-          </a:xfrm>
-          <a:prstGeom prst="rect">
-            <a:avLst/>
-          </a:prstGeom>
-          <a:noFill/>
-        </p:spPr>
-        <p:txBody>
-          <a:bodyPr wrap="square" rtlCol="0">
-            <a:spAutoFit/>
-          </a:bodyPr>
-          <a:lstStyle/>
-          <a:p>
-            <a:r>
-              <a:rPr lang="en-US" altLang="zh-CN" sz="2500" dirty="0">
-                <a:solidFill>
-                  <a:schemeClr val="accent1"/>
-                </a:solidFill>
-                <a:latin typeface="Bahnschrift SemiBold SemiConden" panose="020B0502040204020203" pitchFamily="34" charset="0"/>
-                <a:ea typeface="微软雅黑" panose="020B0503020204020204" pitchFamily="34" charset="-122"/>
-              </a:rPr>
-              <a:t>Android</a:t>
-            </a:r>
-          </a:p>
-          <a:p>
-            <a:r>
-              <a:rPr lang="en-US" altLang="zh-CN" sz="2500" dirty="0">
-                <a:solidFill>
-                  <a:schemeClr val="accent1"/>
-                </a:solidFill>
-                <a:latin typeface="Bahnschrift SemiBold SemiConden" panose="020B0502040204020203" pitchFamily="34" charset="0"/>
-                <a:ea typeface="微软雅黑" panose="020B0503020204020204" pitchFamily="34" charset="-122"/>
-              </a:rPr>
-              <a:t>Device</a:t>
-            </a:r>
-            <a:endParaRPr lang="zh-CN" altLang="en-US" sz="2500" dirty="0">
-              <a:solidFill>
-                <a:schemeClr val="accent1"/>
-              </a:solidFill>
-              <a:latin typeface="Bahnschrift SemiBold SemiConden" panose="020B0502040204020203" pitchFamily="34" charset="0"/>
-              <a:ea typeface="微软雅黑" panose="020B0503020204020204" pitchFamily="34" charset="-122"/>
-            </a:endParaRPr>
-          </a:p>
-        </p:txBody>
-      </p:sp>
-      <p:sp>
-        <p:nvSpPr>
-          <p:cNvPr id="58" name="文本框 57">
-            <a:extLst>
-              <a:ext uri="{FF2B5EF4-FFF2-40B4-BE49-F238E27FC236}">
-                <a16:creationId xmlns:a16="http://schemas.microsoft.com/office/drawing/2014/main" id="{C7741887-50E0-473E-9F15-9B6389AEFE9F}"/>
-              </a:ext>
-            </a:extLst>
-          </p:cNvPr>
-          <p:cNvSpPr txBox="1"/>
-          <p:nvPr/>
-        </p:nvSpPr>
-        <p:spPr>
-          <a:xfrm>
-            <a:off x="5464234" y="5379397"/>
-            <a:ext cx="1204750" cy="477054"/>
-          </a:xfrm>
-          <a:prstGeom prst="rect">
-            <a:avLst/>
-          </a:prstGeom>
-          <a:noFill/>
-        </p:spPr>
-        <p:txBody>
-          <a:bodyPr wrap="square" rtlCol="0">
-            <a:spAutoFit/>
-          </a:bodyPr>
-          <a:lstStyle/>
-          <a:p>
-            <a:r>
-              <a:rPr lang="en-US" altLang="zh-CN" sz="2500" dirty="0">
-                <a:solidFill>
-                  <a:schemeClr val="accent1"/>
-                </a:solidFill>
-                <a:latin typeface="Bahnschrift SemiBold SemiConden" panose="020B0502040204020203" pitchFamily="34" charset="0"/>
-                <a:ea typeface="微软雅黑" panose="020B0503020204020204" pitchFamily="34" charset="-122"/>
-              </a:rPr>
-              <a:t>Agent</a:t>
-            </a:r>
-            <a:endParaRPr lang="zh-CN" altLang="en-US" sz="2500" dirty="0">
-              <a:solidFill>
-                <a:schemeClr val="accent1"/>
-              </a:solidFill>
-              <a:latin typeface="Bahnschrift SemiBold SemiConden" panose="020B0502040204020203" pitchFamily="34" charset="0"/>
-              <a:ea typeface="微软雅黑" panose="020B0503020204020204" pitchFamily="34" charset="-122"/>
-            </a:endParaRPr>
-          </a:p>
-        </p:txBody>
-      </p:sp>
-      <p:sp>
-        <p:nvSpPr>
-          <p:cNvPr id="59" name="文本框 58">
-            <a:extLst>
-              <a:ext uri="{FF2B5EF4-FFF2-40B4-BE49-F238E27FC236}">
-                <a16:creationId xmlns:a16="http://schemas.microsoft.com/office/drawing/2014/main" id="{51210F5A-EF5A-4654-ADB0-331A1EBA7A8C}"/>
-              </a:ext>
-            </a:extLst>
-          </p:cNvPr>
-          <p:cNvSpPr txBox="1"/>
-          <p:nvPr/>
-        </p:nvSpPr>
-        <p:spPr>
-          <a:xfrm rot="2238725">
-            <a:off x="2114436" y="4507755"/>
-            <a:ext cx="4404956" cy="477054"/>
-          </a:xfrm>
-          <a:prstGeom prst="rect">
-            <a:avLst/>
-          </a:prstGeom>
-          <a:noFill/>
-        </p:spPr>
-        <p:txBody>
-          <a:bodyPr wrap="square" rtlCol="0">
-            <a:spAutoFit/>
-          </a:bodyPr>
-          <a:lstStyle/>
-          <a:p>
-            <a:r>
-              <a:rPr lang="en-US" altLang="zh-CN" sz="2500" dirty="0">
-                <a:latin typeface="Bahnschrift SemiBold SemiConden" panose="020B0502040204020203" pitchFamily="34" charset="0"/>
-                <a:ea typeface="微软雅黑" panose="020B0503020204020204" pitchFamily="34" charset="-122"/>
-              </a:rPr>
-              <a:t>3. </a:t>
-            </a:r>
-            <a:r>
-              <a:rPr lang="en-US" altLang="zh-CN" sz="2400" dirty="0">
-                <a:latin typeface="Bahnschrift SemiBold SemiConden" panose="020B0502040204020203" pitchFamily="34" charset="0"/>
-                <a:ea typeface="微软雅黑" panose="020B0503020204020204" pitchFamily="34" charset="-122"/>
-              </a:rPr>
-              <a:t>Generate the next event  </a:t>
-            </a:r>
-          </a:p>
-        </p:txBody>
-      </p:sp>
-      <p:sp>
-        <p:nvSpPr>
-          <p:cNvPr id="68" name="文本框 67">
-            <a:extLst>
-              <a:ext uri="{FF2B5EF4-FFF2-40B4-BE49-F238E27FC236}">
-                <a16:creationId xmlns:a16="http://schemas.microsoft.com/office/drawing/2014/main" id="{09E6B84A-93B9-4B68-8537-DCC9B6453843}"/>
-              </a:ext>
-            </a:extLst>
-          </p:cNvPr>
-          <p:cNvSpPr txBox="1"/>
-          <p:nvPr/>
-        </p:nvSpPr>
-        <p:spPr>
-          <a:xfrm rot="19531139">
-            <a:off x="6253122" y="3753676"/>
-            <a:ext cx="4404956" cy="477054"/>
-          </a:xfrm>
-          <a:prstGeom prst="rect">
-            <a:avLst/>
-          </a:prstGeom>
-          <a:noFill/>
-        </p:spPr>
-        <p:txBody>
-          <a:bodyPr wrap="square" rtlCol="0">
-            <a:spAutoFit/>
-          </a:bodyPr>
-          <a:lstStyle/>
-          <a:p>
-            <a:r>
-              <a:rPr lang="en-US" altLang="zh-CN" sz="2500" dirty="0">
-                <a:latin typeface="Bahnschrift SemiBold SemiConden" panose="020B0502040204020203" pitchFamily="34" charset="0"/>
-                <a:ea typeface="微软雅黑" panose="020B0503020204020204" pitchFamily="34" charset="-122"/>
-              </a:rPr>
-              <a:t>4. Operate the event</a:t>
-            </a:r>
-            <a:r>
-              <a:rPr lang="en-US" altLang="zh-CN" sz="2400" dirty="0">
-                <a:latin typeface="Bahnschrift SemiBold SemiConden" panose="020B0502040204020203" pitchFamily="34" charset="0"/>
-                <a:ea typeface="微软雅黑" panose="020B0503020204020204" pitchFamily="34" charset="-122"/>
-              </a:rPr>
-              <a:t> </a:t>
-            </a:r>
-          </a:p>
-        </p:txBody>
-      </p:sp>
-    </p:spTree>
-    <p:extLst>
-      <p:ext uri="{BB962C8B-B14F-4D97-AF65-F5344CB8AC3E}">
-        <p14:creationId xmlns:p14="http://schemas.microsoft.com/office/powerpoint/2010/main" val="1493884965"/>
-      </p:ext>
-    </p:extLst>
-  </p:cSld>
-  <p:clrMapOvr>
-    <a:masterClrMapping/>
-  </p:clrMapOvr>
-  <mc:AlternateContent xmlns:mc="http://schemas.openxmlformats.org/markup-compatibility/2006" xmlns:p14="http://schemas.microsoft.com/office/powerpoint/2010/main">
-    <mc:Choice Requires="p14">
-      <p:transition spd="med" p14:dur="700">
-        <p:fade/>
-      </p:transition>
-    </mc:Choice>
-    <mc:Fallback xmlns="">
-      <p:transition spd="med">
-        <p:fade/>
-      </p:transition>
-    </mc:Fallback>
-  </mc:AlternateContent>
-</p:sld>
-</file>
-
-<file path=ppt/slides/slide11.xml><?xml version="1.0" encoding="utf-8"?>
-<p:sld xmlns:a="http://schemas.openxmlformats.org/drawingml/2006/main" xmlns:r="http://schemas.openxmlformats.org/officeDocument/2006/relationships" xmlns:p="http://schemas.openxmlformats.org/presentationml/2006/main">
-  <p:cSld>
-    <p:spTree>
-      <p:nvGrpSpPr>
-        <p:cNvPr id="1" name=""/>
-        <p:cNvGrpSpPr/>
-        <p:nvPr/>
-      </p:nvGrpSpPr>
-      <p:grpSpPr>
-        <a:xfrm>
-          <a:off x="0" y="0"/>
-          <a:ext cx="0" cy="0"/>
-          <a:chOff x="0" y="0"/>
-          <a:chExt cx="0" cy="0"/>
-        </a:xfrm>
-      </p:grpSpPr>
-      <p:sp>
-        <p:nvSpPr>
-          <p:cNvPr id="18" name="标题 1">
-            <a:extLst>
-              <a:ext uri="{FF2B5EF4-FFF2-40B4-BE49-F238E27FC236}">
-                <a16:creationId xmlns:a16="http://schemas.microsoft.com/office/drawing/2014/main" id="{FAFFE3E9-EFE1-47BA-B233-9B654DBEF2D1}"/>
-              </a:ext>
-            </a:extLst>
-          </p:cNvPr>
-          <p:cNvSpPr txBox="1">
-            <a:spLocks/>
-          </p:cNvSpPr>
-          <p:nvPr/>
-        </p:nvSpPr>
-        <p:spPr>
-          <a:xfrm>
-            <a:off x="755669" y="156100"/>
-            <a:ext cx="9601200" cy="1142385"/>
-          </a:xfrm>
-          <a:prstGeom prst="rect">
-            <a:avLst/>
-          </a:prstGeom>
-        </p:spPr>
-        <p:txBody>
-          <a:bodyPr vert="horz" lIns="91440" tIns="45720" rIns="91440" bIns="45720" rtlCol="0" anchor="b">
-            <a:normAutofit/>
-          </a:bodyPr>
-          <a:lstStyle>
-            <a:lvl1pPr algn="l" defTabSz="914400" rtl="0" eaLnBrk="1" latinLnBrk="0" hangingPunct="1">
-              <a:lnSpc>
-                <a:spcPct val="90000"/>
-              </a:lnSpc>
-              <a:spcBef>
-                <a:spcPct val="0"/>
-              </a:spcBef>
-              <a:buNone/>
-              <a:defRPr sz="3200" b="1" kern="1200">
-                <a:solidFill>
-                  <a:schemeClr val="accent1">
-                    <a:lumMod val="75000"/>
-                  </a:schemeClr>
-                </a:solidFill>
-                <a:latin typeface="微软雅黑" panose="020B0503020204020204" pitchFamily="34" charset="-122"/>
-                <a:ea typeface="微软雅黑" panose="020B0503020204020204" pitchFamily="34" charset="-122"/>
-                <a:cs typeface="+mj-cs"/>
-              </a:defRPr>
-            </a:lvl1pPr>
-          </a:lstStyle>
-          <a:p>
-            <a:r>
-              <a:rPr lang="en-US" altLang="zh-CN" sz="3000" dirty="0"/>
-              <a:t>1. Read current state  </a:t>
-            </a:r>
-            <a:endParaRPr lang="zh-CN" altLang="en-US" sz="3000" dirty="0"/>
-          </a:p>
-        </p:txBody>
-      </p:sp>
-      <p:pic>
-        <p:nvPicPr>
-          <p:cNvPr id="3" name="图片 2">
-            <a:extLst>
-              <a:ext uri="{FF2B5EF4-FFF2-40B4-BE49-F238E27FC236}">
-                <a16:creationId xmlns:a16="http://schemas.microsoft.com/office/drawing/2014/main" id="{D58785AE-50DB-443E-9AE3-6CFB9766B3CA}"/>
-              </a:ext>
-            </a:extLst>
-          </p:cNvPr>
-          <p:cNvPicPr>
-            <a:picLocks noChangeAspect="1"/>
-          </p:cNvPicPr>
-          <p:nvPr/>
-        </p:nvPicPr>
-        <p:blipFill>
-          <a:blip r:embed="rId2"/>
-          <a:stretch>
-            <a:fillRect/>
-          </a:stretch>
-        </p:blipFill>
-        <p:spPr>
-          <a:xfrm>
-            <a:off x="796497" y="1943621"/>
-            <a:ext cx="1896826" cy="4110504"/>
-          </a:xfrm>
-          <a:prstGeom prst="rect">
-            <a:avLst/>
-          </a:prstGeom>
-        </p:spPr>
-      </p:pic>
-      <p:cxnSp>
-        <p:nvCxnSpPr>
-          <p:cNvPr id="22" name="直接箭头连接符 21">
-            <a:extLst>
-              <a:ext uri="{FF2B5EF4-FFF2-40B4-BE49-F238E27FC236}">
-                <a16:creationId xmlns:a16="http://schemas.microsoft.com/office/drawing/2014/main" id="{48469E21-5A2A-49F3-8939-F1A50028F318}"/>
-              </a:ext>
-            </a:extLst>
-          </p:cNvPr>
-          <p:cNvCxnSpPr>
-            <a:cxnSpLocks/>
-          </p:cNvCxnSpPr>
-          <p:nvPr/>
-        </p:nvCxnSpPr>
-        <p:spPr>
-          <a:xfrm>
-            <a:off x="3164379" y="3738579"/>
-            <a:ext cx="1959628" cy="0"/>
-          </a:xfrm>
-          <a:prstGeom prst="straightConnector1">
-            <a:avLst/>
-          </a:prstGeom>
-          <a:ln w="38100" cmpd="sng">
-            <a:headEnd type="none" w="lg" len="med"/>
-            <a:tailEnd type="arrow" w="lg" len="med"/>
-          </a:ln>
-        </p:spPr>
-        <p:style>
-          <a:lnRef idx="1">
-            <a:schemeClr val="accent1"/>
-          </a:lnRef>
-          <a:fillRef idx="0">
-            <a:schemeClr val="accent1"/>
-          </a:fillRef>
-          <a:effectRef idx="0">
-            <a:schemeClr val="accent1"/>
-          </a:effectRef>
-          <a:fontRef idx="minor">
-            <a:schemeClr val="tx1"/>
-          </a:fontRef>
-        </p:style>
-      </p:cxnSp>
-      <p:sp>
-        <p:nvSpPr>
-          <p:cNvPr id="24" name="文本框 23">
-            <a:extLst>
-              <a:ext uri="{FF2B5EF4-FFF2-40B4-BE49-F238E27FC236}">
-                <a16:creationId xmlns:a16="http://schemas.microsoft.com/office/drawing/2014/main" id="{973B9DF3-8CFF-4A0D-8965-5B9D422B31E4}"/>
-              </a:ext>
-            </a:extLst>
-          </p:cNvPr>
-          <p:cNvSpPr txBox="1"/>
-          <p:nvPr/>
-        </p:nvSpPr>
-        <p:spPr>
-          <a:xfrm>
-            <a:off x="3757413" y="3338468"/>
-            <a:ext cx="615024" cy="400110"/>
-          </a:xfrm>
-          <a:prstGeom prst="rect">
-            <a:avLst/>
-          </a:prstGeom>
-          <a:noFill/>
-        </p:spPr>
-        <p:txBody>
-          <a:bodyPr wrap="square" rtlCol="0">
-            <a:spAutoFit/>
-          </a:bodyPr>
-          <a:lstStyle/>
-          <a:p>
-            <a:r>
-              <a:rPr lang="en-US" altLang="zh-CN" sz="2000" dirty="0">
-                <a:solidFill>
-                  <a:schemeClr val="accent1"/>
-                </a:solidFill>
-                <a:latin typeface="Bahnschrift SemiBold SemiConden" panose="020B0502040204020203" pitchFamily="34" charset="0"/>
-                <a:ea typeface="微软雅黑" panose="020B0503020204020204" pitchFamily="34" charset="-122"/>
-              </a:rPr>
-              <a:t>ADB</a:t>
-            </a:r>
-            <a:endParaRPr lang="en-US" altLang="zh-CN" sz="1600" dirty="0">
-              <a:latin typeface="Bahnschrift SemiBold SemiConden" panose="020B0502040204020203" pitchFamily="34" charset="0"/>
-              <a:ea typeface="微软雅黑" panose="020B0503020204020204" pitchFamily="34" charset="-122"/>
-            </a:endParaRPr>
-          </a:p>
-        </p:txBody>
-      </p:sp>
-      <p:sp>
-        <p:nvSpPr>
-          <p:cNvPr id="25" name="文本框 24">
-            <a:extLst>
-              <a:ext uri="{FF2B5EF4-FFF2-40B4-BE49-F238E27FC236}">
-                <a16:creationId xmlns:a16="http://schemas.microsoft.com/office/drawing/2014/main" id="{95BF1612-09D7-4E34-9615-7F18B82424A7}"/>
-              </a:ext>
-            </a:extLst>
-          </p:cNvPr>
-          <p:cNvSpPr txBox="1"/>
-          <p:nvPr/>
-        </p:nvSpPr>
-        <p:spPr>
-          <a:xfrm>
-            <a:off x="3292631" y="3738578"/>
-            <a:ext cx="4404956" cy="400110"/>
-          </a:xfrm>
-          <a:prstGeom prst="rect">
-            <a:avLst/>
-          </a:prstGeom>
-          <a:noFill/>
-        </p:spPr>
-        <p:txBody>
-          <a:bodyPr wrap="square" rtlCol="0">
-            <a:spAutoFit/>
-          </a:bodyPr>
-          <a:lstStyle/>
-          <a:p>
-            <a:r>
-              <a:rPr lang="en-US" altLang="zh-CN" sz="2000" dirty="0">
-                <a:solidFill>
-                  <a:schemeClr val="accent1"/>
-                </a:solidFill>
-                <a:latin typeface="Bahnschrift SemiBold SemiConden" panose="020B0502040204020203" pitchFamily="34" charset="0"/>
-                <a:ea typeface="微软雅黑" panose="020B0503020204020204" pitchFamily="34" charset="-122"/>
-              </a:rPr>
-              <a:t>+ UIAutomator</a:t>
-            </a:r>
-          </a:p>
-        </p:txBody>
-      </p:sp>
-      <p:pic>
-        <p:nvPicPr>
-          <p:cNvPr id="10" name="图片 9">
-            <a:extLst>
-              <a:ext uri="{FF2B5EF4-FFF2-40B4-BE49-F238E27FC236}">
-                <a16:creationId xmlns:a16="http://schemas.microsoft.com/office/drawing/2014/main" id="{33305F5B-6C5F-446D-83FE-BD9F9A23D261}"/>
-              </a:ext>
-            </a:extLst>
-          </p:cNvPr>
-          <p:cNvPicPr>
-            <a:picLocks noChangeAspect="1"/>
-          </p:cNvPicPr>
-          <p:nvPr/>
-        </p:nvPicPr>
-        <p:blipFill rotWithShape="1">
-          <a:blip r:embed="rId3"/>
-          <a:srcRect r="890"/>
-          <a:stretch/>
-        </p:blipFill>
-        <p:spPr>
-          <a:xfrm>
-            <a:off x="5432907" y="2521216"/>
-            <a:ext cx="5962596" cy="3532909"/>
-          </a:xfrm>
-          <a:prstGeom prst="rect">
-            <a:avLst/>
-          </a:prstGeom>
-        </p:spPr>
-      </p:pic>
-      <p:sp>
-        <p:nvSpPr>
-          <p:cNvPr id="12" name="文本框 11">
-            <a:extLst>
-              <a:ext uri="{FF2B5EF4-FFF2-40B4-BE49-F238E27FC236}">
-                <a16:creationId xmlns:a16="http://schemas.microsoft.com/office/drawing/2014/main" id="{A63BEFCD-3F4C-4686-8E7F-82AD4D1915B2}"/>
-              </a:ext>
-            </a:extLst>
-          </p:cNvPr>
-          <p:cNvSpPr txBox="1"/>
-          <p:nvPr/>
-        </p:nvSpPr>
-        <p:spPr>
-          <a:xfrm>
-            <a:off x="7652462" y="1899287"/>
-            <a:ext cx="2371898" cy="477054"/>
-          </a:xfrm>
-          <a:prstGeom prst="rect">
-            <a:avLst/>
-          </a:prstGeom>
-        </p:spPr>
-        <p:txBody>
-          <a:bodyPr wrap="square" rtlCol="0">
-            <a:spAutoFit/>
-          </a:bodyPr>
-          <a:lstStyle/>
-          <a:p>
-            <a:r>
-              <a:rPr lang="zh-CN" altLang="en-US" sz="2300" dirty="0"/>
-              <a:t>📜</a:t>
-            </a:r>
-            <a:r>
-              <a:rPr lang="en-US" altLang="zh-CN" sz="2500" dirty="0">
-                <a:latin typeface="Bahnschrift SemiBold SemiConden" panose="020B0502040204020203" pitchFamily="34" charset="0"/>
-                <a:ea typeface="微软雅黑" panose="020B0503020204020204" pitchFamily="34" charset="-122"/>
-              </a:rPr>
-              <a:t>xx.xml</a:t>
-            </a:r>
-            <a:endParaRPr lang="zh-CN" altLang="en-US" sz="2500" dirty="0">
-              <a:latin typeface="Bahnschrift SemiBold SemiConden" panose="020B0502040204020203" pitchFamily="34" charset="0"/>
-              <a:ea typeface="微软雅黑" panose="020B0503020204020204" pitchFamily="34" charset="-122"/>
-            </a:endParaRPr>
-          </a:p>
-        </p:txBody>
-      </p:sp>
-    </p:spTree>
-    <p:extLst>
-      <p:ext uri="{BB962C8B-B14F-4D97-AF65-F5344CB8AC3E}">
-        <p14:creationId xmlns:p14="http://schemas.microsoft.com/office/powerpoint/2010/main" val="3507961569"/>
-      </p:ext>
-    </p:extLst>
-  </p:cSld>
-  <p:clrMapOvr>
-    <a:masterClrMapping/>
-  </p:clrMapOvr>
-  <mc:AlternateContent xmlns:mc="http://schemas.openxmlformats.org/markup-compatibility/2006" xmlns:p14="http://schemas.microsoft.com/office/powerpoint/2010/main">
-    <mc:Choice Requires="p14">
-      <p:transition spd="med" p14:dur="700">
-        <p:fade/>
-      </p:transition>
-    </mc:Choice>
-    <mc:Fallback xmlns="">
-      <p:transition spd="med">
-        <p:fade/>
-      </p:transition>
-    </mc:Fallback>
-  </mc:AlternateContent>
-</p:sld>
-</file>
-
-<file path=ppt/slides/slide12.xml><?xml version="1.0" encoding="utf-8"?>
-<p:sld xmlns:a="http://schemas.openxmlformats.org/drawingml/2006/main" xmlns:r="http://schemas.openxmlformats.org/officeDocument/2006/relationships" xmlns:p="http://schemas.openxmlformats.org/presentationml/2006/main">
-  <p:cSld>
-    <p:spTree>
-      <p:nvGrpSpPr>
-        <p:cNvPr id="1" name=""/>
-        <p:cNvGrpSpPr/>
-        <p:nvPr/>
-      </p:nvGrpSpPr>
-      <p:grpSpPr>
-        <a:xfrm>
-          <a:off x="0" y="0"/>
-          <a:ext cx="0" cy="0"/>
-          <a:chOff x="0" y="0"/>
-          <a:chExt cx="0" cy="0"/>
-        </a:xfrm>
-      </p:grpSpPr>
-      <p:sp>
-        <p:nvSpPr>
           <p:cNvPr id="18" name="标题 1">
             <a:extLst>
               <a:ext uri="{FF2B5EF4-FFF2-40B4-BE49-F238E27FC236}">
@@ -17461,7 +16491,7 @@
 </p:sld>
 </file>
 
-<file path=ppt/slides/slide13.xml><?xml version="1.0" encoding="utf-8"?>
+<file path=ppt/slides/slide11.xml><?xml version="1.0" encoding="utf-8"?>
 <p:sld xmlns:a="http://schemas.openxmlformats.org/drawingml/2006/main" xmlns:r="http://schemas.openxmlformats.org/officeDocument/2006/relationships" xmlns:p="http://schemas.openxmlformats.org/presentationml/2006/main">
   <p:cSld>
     <p:spTree>
@@ -18127,7 +17157,7 @@
 </p:sld>
 </file>
 
-<file path=ppt/slides/slide14.xml><?xml version="1.0" encoding="utf-8"?>
+<file path=ppt/slides/slide12.xml><?xml version="1.0" encoding="utf-8"?>
 <p:sld xmlns:a="http://schemas.openxmlformats.org/drawingml/2006/main" xmlns:r="http://schemas.openxmlformats.org/officeDocument/2006/relationships" xmlns:p="http://schemas.openxmlformats.org/presentationml/2006/main">
   <p:cSld>
     <p:spTree>
@@ -18541,7 +17571,7 @@
 </p:sld>
 </file>
 
-<file path=ppt/slides/slide15.xml><?xml version="1.0" encoding="utf-8"?>
+<file path=ppt/slides/slide13.xml><?xml version="1.0" encoding="utf-8"?>
 <p:sld xmlns:a="http://schemas.openxmlformats.org/drawingml/2006/main" xmlns:r="http://schemas.openxmlformats.org/officeDocument/2006/relationships" xmlns:p="http://schemas.openxmlformats.org/presentationml/2006/main">
   <p:cSld>
     <p:spTree>
@@ -18678,7 +17708,7 @@
 </p:sld>
 </file>
 
-<file path=ppt/slides/slide16.xml><?xml version="1.0" encoding="utf-8"?>
+<file path=ppt/slides/slide14.xml><?xml version="1.0" encoding="utf-8"?>
 <p:sld xmlns:a="http://schemas.openxmlformats.org/drawingml/2006/main" xmlns:r="http://schemas.openxmlformats.org/officeDocument/2006/relationships" xmlns:p="http://schemas.openxmlformats.org/presentationml/2006/main">
   <p:cSld>
     <p:spTree>
@@ -18717,7 +17747,22 @@
                 <a:ea typeface="微软雅黑" panose="020B0503020204020204" pitchFamily="34" charset="-122"/>
                 <a:sym typeface="Arial" panose="020B0604020202020204" pitchFamily="34" charset="0"/>
               </a:rPr>
-              <a:t>Q-Learning</a:t>
+              <a:t>Q-Learning in </a:t>
+            </a:r>
+            <a:br>
+              <a:rPr lang="en-US" altLang="zh-CN" dirty="0">
+                <a:latin typeface="微软雅黑" panose="020B0503020204020204" pitchFamily="34" charset="-122"/>
+                <a:ea typeface="微软雅黑" panose="020B0503020204020204" pitchFamily="34" charset="-122"/>
+                <a:sym typeface="Arial" panose="020B0604020202020204" pitchFamily="34" charset="0"/>
+              </a:rPr>
+            </a:br>
+            <a:r>
+              <a:rPr lang="en-US" altLang="zh-CN" dirty="0">
+                <a:latin typeface="微软雅黑" panose="020B0503020204020204" pitchFamily="34" charset="-122"/>
+                <a:ea typeface="微软雅黑" panose="020B0503020204020204" pitchFamily="34" charset="-122"/>
+                <a:sym typeface="Arial" panose="020B0604020202020204" pitchFamily="34" charset="0"/>
+              </a:rPr>
+              <a:t>Test Generation</a:t>
             </a:r>
             <a:endParaRPr lang="zh-CN" altLang="en-US" dirty="0">
               <a:latin typeface="微软雅黑" panose="020B0503020204020204" pitchFamily="34" charset="-122"/>
@@ -18752,7 +17797,7 @@
 </p:sld>
 </file>
 
-<file path=ppt/slides/slide17.xml><?xml version="1.0" encoding="utf-8"?>
+<file path=ppt/slides/slide15.xml><?xml version="1.0" encoding="utf-8"?>
 <p:sld xmlns:a="http://schemas.openxmlformats.org/drawingml/2006/main" xmlns:r="http://schemas.openxmlformats.org/officeDocument/2006/relationships" xmlns:p="http://schemas.openxmlformats.org/presentationml/2006/main">
   <p:cSld>
     <p:spTree>
@@ -18819,13 +17864,45 @@
           </a:lstStyle>
           <a:p>
             <a:r>
-              <a:rPr lang="en-US" altLang="zh-CN" sz="3000" dirty="0"/>
-              <a:t>TODO</a:t>
+              <a:rPr lang="en-US" altLang="zh-CN" sz="2800" dirty="0">
+                <a:sym typeface="Arial" panose="020B0604020202020204" pitchFamily="34" charset="0"/>
+              </a:rPr>
+              <a:t>Q-Learning in Test Generation</a:t>
             </a:r>
             <a:endParaRPr lang="zh-CN" altLang="en-US" sz="3000" dirty="0"/>
           </a:p>
         </p:txBody>
       </p:sp>
+      <p:pic>
+        <p:nvPicPr>
+          <p:cNvPr id="3" name="图片 2" descr="图片包含 文字&#10;&#10;描述已自动生成">
+            <a:extLst>
+              <a:ext uri="{FF2B5EF4-FFF2-40B4-BE49-F238E27FC236}">
+                <a16:creationId xmlns:a16="http://schemas.microsoft.com/office/drawing/2014/main" id="{0EE4BBC6-5A1C-4674-99BC-4DE4AAF6652F}"/>
+              </a:ext>
+            </a:extLst>
+          </p:cNvPr>
+          <p:cNvPicPr>
+            <a:picLocks noChangeAspect="1"/>
+          </p:cNvPicPr>
+          <p:nvPr/>
+        </p:nvPicPr>
+        <p:blipFill>
+          <a:blip r:embed="rId2"/>
+          <a:stretch>
+            <a:fillRect/>
+          </a:stretch>
+        </p:blipFill>
+        <p:spPr>
+          <a:xfrm>
+            <a:off x="3727469" y="1492791"/>
+            <a:ext cx="3657600" cy="4533900"/>
+          </a:xfrm>
+          <a:prstGeom prst="rect">
+            <a:avLst/>
+          </a:prstGeom>
+        </p:spPr>
+      </p:pic>
     </p:spTree>
     <p:extLst>
       <p:ext uri="{BB962C8B-B14F-4D97-AF65-F5344CB8AC3E}">
@@ -18851,7 +17928,7 @@
 </p:sld>
 </file>
 
-<file path=ppt/slides/slide18.xml><?xml version="1.0" encoding="utf-8"?>
+<file path=ppt/slides/slide16.xml><?xml version="1.0" encoding="utf-8"?>
 <p:sld xmlns:a="http://schemas.openxmlformats.org/drawingml/2006/main" xmlns:r="http://schemas.openxmlformats.org/officeDocument/2006/relationships" xmlns:p="http://schemas.openxmlformats.org/presentationml/2006/main">
   <p:cSld>
     <p:spTree>
@@ -18923,7 +18000,7 @@
 </p:sld>
 </file>
 
-<file path=ppt/slides/slide19.xml><?xml version="1.0" encoding="utf-8"?>
+<file path=ppt/slides/slide17.xml><?xml version="1.0" encoding="utf-8"?>
 <p:sld xmlns:a="http://schemas.openxmlformats.org/drawingml/2006/main" xmlns:r="http://schemas.openxmlformats.org/officeDocument/2006/relationships" xmlns:p="http://schemas.openxmlformats.org/presentationml/2006/main">
   <p:cSld>
     <p:spTree>
@@ -19008,10 +18085,16 @@
           </a:p>
           <a:p>
             <a:r>
+              <a:rPr lang="en-US" altLang="zh-CN" sz="3400">
+                <a:latin typeface="Bahnschrift Condensed" panose="020B0502040204020203" pitchFamily="34" charset="0"/>
+              </a:rPr>
+              <a:t>Search </a:t>
+            </a:r>
+            <a:r>
               <a:rPr lang="en-US" altLang="zh-CN" sz="3400" dirty="0">
                 <a:latin typeface="Bahnschrift Condensed" panose="020B0502040204020203" pitchFamily="34" charset="0"/>
               </a:rPr>
-              <a:t>Search for new tool</a:t>
+              <a:t>new tool</a:t>
             </a:r>
           </a:p>
           <a:p>
@@ -19057,183 +18140,7 @@
 </p:sld>
 </file>
 
-<file path=ppt/slides/slide2.xml><?xml version="1.0" encoding="utf-8"?>
-<p:sld xmlns:a="http://schemas.openxmlformats.org/drawingml/2006/main" xmlns:r="http://schemas.openxmlformats.org/officeDocument/2006/relationships" xmlns:p="http://schemas.openxmlformats.org/presentationml/2006/main">
-  <p:cSld>
-    <p:spTree>
-      <p:nvGrpSpPr>
-        <p:cNvPr id="1" name=""/>
-        <p:cNvGrpSpPr/>
-        <p:nvPr/>
-      </p:nvGrpSpPr>
-      <p:grpSpPr>
-        <a:xfrm>
-          <a:off x="0" y="0"/>
-          <a:ext cx="0" cy="0"/>
-          <a:chOff x="0" y="0"/>
-          <a:chExt cx="0" cy="0"/>
-        </a:xfrm>
-      </p:grpSpPr>
-      <p:sp>
-        <p:nvSpPr>
-          <p:cNvPr id="2" name="标题 1"/>
-          <p:cNvSpPr>
-            <a:spLocks noGrp="1"/>
-          </p:cNvSpPr>
-          <p:nvPr>
-            <p:ph type="title"/>
-          </p:nvPr>
-        </p:nvSpPr>
-        <p:spPr>
-          <a:xfrm>
-            <a:off x="8007659" y="2754680"/>
-            <a:ext cx="3723677" cy="1244600"/>
-          </a:xfrm>
-        </p:spPr>
-        <p:txBody>
-          <a:bodyPr rtlCol="0">
-            <a:normAutofit/>
-          </a:bodyPr>
-          <a:lstStyle/>
-          <a:p>
-            <a:r>
-              <a:rPr lang="en-US" altLang="zh-CN" sz="6400" dirty="0">
-                <a:latin typeface="Bahnschrift Condensed" panose="020B0502040204020203" pitchFamily="34" charset="0"/>
-                <a:sym typeface="Arial" panose="020B0604020202020204" pitchFamily="34" charset="0"/>
-              </a:rPr>
-              <a:t>C O N T E N T</a:t>
-            </a:r>
-            <a:endParaRPr lang="zh-CN" altLang="en-US" sz="6400" dirty="0">
-              <a:latin typeface="微软雅黑" panose="020B0503020204020204" pitchFamily="34" charset="-122"/>
-              <a:ea typeface="微软雅黑" panose="020B0503020204020204" pitchFamily="34" charset="-122"/>
-              <a:sym typeface="Arial" panose="020B0604020202020204" pitchFamily="34" charset="0"/>
-            </a:endParaRPr>
-          </a:p>
-        </p:txBody>
-      </p:sp>
-      <p:sp>
-        <p:nvSpPr>
-          <p:cNvPr id="6" name="内容占位符 2">
-            <a:extLst>
-              <a:ext uri="{FF2B5EF4-FFF2-40B4-BE49-F238E27FC236}">
-                <a16:creationId xmlns:a16="http://schemas.microsoft.com/office/drawing/2014/main" id="{11BBA7E8-9D00-4537-AB99-972F88FF99F3}"/>
-              </a:ext>
-            </a:extLst>
-          </p:cNvPr>
-          <p:cNvSpPr>
-            <a:spLocks noGrp="1"/>
-          </p:cNvSpPr>
-          <p:nvPr>
-            <p:ph idx="1"/>
-          </p:nvPr>
-        </p:nvSpPr>
-        <p:spPr>
-          <a:xfrm>
-            <a:off x="1027937" y="1025978"/>
-            <a:ext cx="5802085" cy="4806043"/>
-          </a:xfrm>
-        </p:spPr>
-        <p:txBody>
-          <a:bodyPr rtlCol="0">
-            <a:normAutofit/>
-          </a:bodyPr>
-          <a:lstStyle/>
-          <a:p>
-            <a:pPr rtl="0">
-              <a:lnSpc>
-                <a:spcPct val="150000"/>
-              </a:lnSpc>
-            </a:pPr>
-            <a:r>
-              <a:rPr lang="en-US" altLang="zh-CN" sz="4400" dirty="0">
-                <a:latin typeface="Bahnschrift Condensed" panose="020B0502040204020203" pitchFamily="34" charset="0"/>
-                <a:sym typeface="Arial" panose="020B0604020202020204" pitchFamily="34" charset="0"/>
-              </a:rPr>
-              <a:t>Background</a:t>
-            </a:r>
-          </a:p>
-          <a:p>
-            <a:pPr>
-              <a:lnSpc>
-                <a:spcPct val="150000"/>
-              </a:lnSpc>
-            </a:pPr>
-            <a:r>
-              <a:rPr lang="en-US" altLang="zh-CN" sz="4400" dirty="0">
-                <a:latin typeface="Bahnschrift Condensed" panose="020B0502040204020203" pitchFamily="34" charset="0"/>
-                <a:sym typeface="Arial" panose="020B0604020202020204" pitchFamily="34" charset="0"/>
-              </a:rPr>
-              <a:t>Approach</a:t>
-            </a:r>
-          </a:p>
-          <a:p>
-            <a:pPr rtl="0">
-              <a:lnSpc>
-                <a:spcPct val="150000"/>
-              </a:lnSpc>
-            </a:pPr>
-            <a:r>
-              <a:rPr lang="en-US" altLang="zh-CN" sz="4400" dirty="0">
-                <a:latin typeface="Bahnschrift Condensed" panose="020B0502040204020203" pitchFamily="34" charset="0"/>
-                <a:sym typeface="Arial" panose="020B0604020202020204" pitchFamily="34" charset="0"/>
-              </a:rPr>
-              <a:t>Q-learning</a:t>
-            </a:r>
-          </a:p>
-          <a:p>
-            <a:pPr>
-              <a:lnSpc>
-                <a:spcPct val="150000"/>
-              </a:lnSpc>
-            </a:pPr>
-            <a:r>
-              <a:rPr lang="en-US" altLang="zh-CN" sz="4400" dirty="0">
-                <a:latin typeface="Bahnschrift Condensed" panose="020B0502040204020203" pitchFamily="34" charset="0"/>
-                <a:sym typeface="Arial" panose="020B0604020202020204" pitchFamily="34" charset="0"/>
-              </a:rPr>
-              <a:t>Future Work</a:t>
-            </a:r>
-            <a:endParaRPr lang="zh-CN" altLang="en-US" sz="4400" dirty="0">
-              <a:latin typeface="Bahnschrift Condensed" panose="020B0502040204020203" pitchFamily="34" charset="0"/>
-              <a:sym typeface="Arial" panose="020B0604020202020204" pitchFamily="34" charset="0"/>
-            </a:endParaRPr>
-          </a:p>
-          <a:p>
-            <a:pPr rtl="0"/>
-            <a:endParaRPr lang="zh-CN" altLang="en-US" dirty="0">
-              <a:latin typeface="Arial" panose="020B0604020202020204" pitchFamily="34" charset="0"/>
-              <a:ea typeface="微软雅黑" panose="020B0503020204020204" pitchFamily="34" charset="-122"/>
-              <a:sym typeface="Arial" panose="020B0604020202020204" pitchFamily="34" charset="0"/>
-            </a:endParaRPr>
-          </a:p>
-        </p:txBody>
-      </p:sp>
-    </p:spTree>
-    <p:extLst>
-      <p:ext uri="{BB962C8B-B14F-4D97-AF65-F5344CB8AC3E}">
-        <p14:creationId xmlns:p14="http://schemas.microsoft.com/office/powerpoint/2010/main" val="3662704074"/>
-      </p:ext>
-    </p:extLst>
-  </p:cSld>
-  <p:clrMapOvr>
-    <a:masterClrMapping/>
-  </p:clrMapOvr>
-  <mc:AlternateContent xmlns:mc="http://schemas.openxmlformats.org/markup-compatibility/2006" xmlns:p14="http://schemas.microsoft.com/office/powerpoint/2010/main">
-    <mc:Choice Requires="p14">
-      <p:transition spd="med" p14:dur="700">
-        <p:fade/>
-      </p:transition>
-    </mc:Choice>
-    <mc:Fallback xmlns="">
-      <p:transition spd="med">
-        <p:fade/>
-      </p:transition>
-    </mc:Fallback>
-  </mc:AlternateContent>
-</p:sld>
-</file>
-
-<file path=ppt/slides/slide20.xml><?xml version="1.0" encoding="utf-8"?>
+<file path=ppt/slides/slide18.xml><?xml version="1.0" encoding="utf-8"?>
 <p:sld xmlns:a="http://schemas.openxmlformats.org/drawingml/2006/main" xmlns:r="http://schemas.openxmlformats.org/officeDocument/2006/relationships" xmlns:p="http://schemas.openxmlformats.org/presentationml/2006/main">
   <p:cSld>
     <p:spTree>
@@ -19621,7 +18528,7 @@
 </p:sld>
 </file>
 
-<file path=ppt/slides/slide21.xml><?xml version="1.0" encoding="utf-8"?>
+<file path=ppt/slides/slide19.xml><?xml version="1.0" encoding="utf-8"?>
 <p:sld xmlns:a="http://schemas.openxmlformats.org/drawingml/2006/main" xmlns:r="http://schemas.openxmlformats.org/officeDocument/2006/relationships" xmlns:p="http://schemas.openxmlformats.org/presentationml/2006/main">
   <p:cSld>
     <p:spTree>
@@ -19682,6 +18589,182 @@
     <p:extLst>
       <p:ext uri="{BB962C8B-B14F-4D97-AF65-F5344CB8AC3E}">
         <p14:creationId xmlns:p14="http://schemas.microsoft.com/office/powerpoint/2010/main" val="3914312067"/>
+      </p:ext>
+    </p:extLst>
+  </p:cSld>
+  <p:clrMapOvr>
+    <a:masterClrMapping/>
+  </p:clrMapOvr>
+  <mc:AlternateContent xmlns:mc="http://schemas.openxmlformats.org/markup-compatibility/2006" xmlns:p14="http://schemas.microsoft.com/office/powerpoint/2010/main">
+    <mc:Choice Requires="p14">
+      <p:transition spd="med" p14:dur="700">
+        <p:fade/>
+      </p:transition>
+    </mc:Choice>
+    <mc:Fallback xmlns="">
+      <p:transition spd="med">
+        <p:fade/>
+      </p:transition>
+    </mc:Fallback>
+  </mc:AlternateContent>
+</p:sld>
+</file>
+
+<file path=ppt/slides/slide2.xml><?xml version="1.0" encoding="utf-8"?>
+<p:sld xmlns:a="http://schemas.openxmlformats.org/drawingml/2006/main" xmlns:r="http://schemas.openxmlformats.org/officeDocument/2006/relationships" xmlns:p="http://schemas.openxmlformats.org/presentationml/2006/main">
+  <p:cSld>
+    <p:spTree>
+      <p:nvGrpSpPr>
+        <p:cNvPr id="1" name=""/>
+        <p:cNvGrpSpPr/>
+        <p:nvPr/>
+      </p:nvGrpSpPr>
+      <p:grpSpPr>
+        <a:xfrm>
+          <a:off x="0" y="0"/>
+          <a:ext cx="0" cy="0"/>
+          <a:chOff x="0" y="0"/>
+          <a:chExt cx="0" cy="0"/>
+        </a:xfrm>
+      </p:grpSpPr>
+      <p:sp>
+        <p:nvSpPr>
+          <p:cNvPr id="2" name="标题 1"/>
+          <p:cNvSpPr>
+            <a:spLocks noGrp="1"/>
+          </p:cNvSpPr>
+          <p:nvPr>
+            <p:ph type="title"/>
+          </p:nvPr>
+        </p:nvSpPr>
+        <p:spPr>
+          <a:xfrm>
+            <a:off x="8007659" y="2754680"/>
+            <a:ext cx="3723677" cy="1244600"/>
+          </a:xfrm>
+        </p:spPr>
+        <p:txBody>
+          <a:bodyPr rtlCol="0">
+            <a:normAutofit/>
+          </a:bodyPr>
+          <a:lstStyle/>
+          <a:p>
+            <a:r>
+              <a:rPr lang="en-US" altLang="zh-CN" sz="6400" dirty="0">
+                <a:latin typeface="Bahnschrift Condensed" panose="020B0502040204020203" pitchFamily="34" charset="0"/>
+                <a:sym typeface="Arial" panose="020B0604020202020204" pitchFamily="34" charset="0"/>
+              </a:rPr>
+              <a:t>C O N T E N T</a:t>
+            </a:r>
+            <a:endParaRPr lang="zh-CN" altLang="en-US" sz="6400" dirty="0">
+              <a:latin typeface="微软雅黑" panose="020B0503020204020204" pitchFamily="34" charset="-122"/>
+              <a:ea typeface="微软雅黑" panose="020B0503020204020204" pitchFamily="34" charset="-122"/>
+              <a:sym typeface="Arial" panose="020B0604020202020204" pitchFamily="34" charset="0"/>
+            </a:endParaRPr>
+          </a:p>
+        </p:txBody>
+      </p:sp>
+      <p:sp>
+        <p:nvSpPr>
+          <p:cNvPr id="6" name="内容占位符 2">
+            <a:extLst>
+              <a:ext uri="{FF2B5EF4-FFF2-40B4-BE49-F238E27FC236}">
+                <a16:creationId xmlns:a16="http://schemas.microsoft.com/office/drawing/2014/main" id="{11BBA7E8-9D00-4537-AB99-972F88FF99F3}"/>
+              </a:ext>
+            </a:extLst>
+          </p:cNvPr>
+          <p:cNvSpPr>
+            <a:spLocks noGrp="1"/>
+          </p:cNvSpPr>
+          <p:nvPr>
+            <p:ph idx="1"/>
+          </p:nvPr>
+        </p:nvSpPr>
+        <p:spPr>
+          <a:xfrm>
+            <a:off x="1027937" y="1025978"/>
+            <a:ext cx="5802085" cy="4806043"/>
+          </a:xfrm>
+        </p:spPr>
+        <p:txBody>
+          <a:bodyPr rtlCol="0">
+            <a:normAutofit/>
+          </a:bodyPr>
+          <a:lstStyle/>
+          <a:p>
+            <a:pPr rtl="0">
+              <a:lnSpc>
+                <a:spcPct val="150000"/>
+              </a:lnSpc>
+            </a:pPr>
+            <a:r>
+              <a:rPr lang="en-US" altLang="zh-CN" sz="4400" dirty="0">
+                <a:latin typeface="Bahnschrift Condensed" panose="020B0502040204020203" pitchFamily="34" charset="0"/>
+                <a:sym typeface="Arial" panose="020B0604020202020204" pitchFamily="34" charset="0"/>
+              </a:rPr>
+              <a:t>Background</a:t>
+            </a:r>
+          </a:p>
+          <a:p>
+            <a:pPr>
+              <a:lnSpc>
+                <a:spcPct val="150000"/>
+              </a:lnSpc>
+            </a:pPr>
+            <a:r>
+              <a:rPr lang="en-US" altLang="zh-CN" sz="4400" dirty="0">
+                <a:latin typeface="Bahnschrift Condensed" panose="020B0502040204020203" pitchFamily="34" charset="0"/>
+                <a:sym typeface="Arial" panose="020B0604020202020204" pitchFamily="34" charset="0"/>
+              </a:rPr>
+              <a:t>Approach</a:t>
+            </a:r>
+          </a:p>
+          <a:p>
+            <a:pPr rtl="0">
+              <a:lnSpc>
+                <a:spcPct val="150000"/>
+              </a:lnSpc>
+            </a:pPr>
+            <a:r>
+              <a:rPr lang="en-US" altLang="zh-CN" sz="4400" dirty="0">
+                <a:latin typeface="Bahnschrift Condensed" panose="020B0502040204020203" pitchFamily="34" charset="0"/>
+                <a:sym typeface="Arial" panose="020B0604020202020204" pitchFamily="34" charset="0"/>
+              </a:rPr>
+              <a:t>Q-learning </a:t>
+            </a:r>
+          </a:p>
+          <a:p>
+            <a:pPr>
+              <a:lnSpc>
+                <a:spcPct val="150000"/>
+              </a:lnSpc>
+            </a:pPr>
+            <a:r>
+              <a:rPr lang="en-US" altLang="zh-CN" sz="4400" dirty="0">
+                <a:latin typeface="Bahnschrift Condensed" panose="020B0502040204020203" pitchFamily="34" charset="0"/>
+                <a:sym typeface="Arial" panose="020B0604020202020204" pitchFamily="34" charset="0"/>
+              </a:rPr>
+              <a:t>Future Work</a:t>
+            </a:r>
+            <a:endParaRPr lang="zh-CN" altLang="en-US" sz="4400" dirty="0">
+              <a:latin typeface="Bahnschrift Condensed" panose="020B0502040204020203" pitchFamily="34" charset="0"/>
+              <a:sym typeface="Arial" panose="020B0604020202020204" pitchFamily="34" charset="0"/>
+            </a:endParaRPr>
+          </a:p>
+          <a:p>
+            <a:pPr rtl="0"/>
+            <a:endParaRPr lang="zh-CN" altLang="en-US" dirty="0">
+              <a:latin typeface="Arial" panose="020B0604020202020204" pitchFamily="34" charset="0"/>
+              <a:ea typeface="微软雅黑" panose="020B0503020204020204" pitchFamily="34" charset="-122"/>
+              <a:sym typeface="Arial" panose="020B0604020202020204" pitchFamily="34" charset="0"/>
+            </a:endParaRPr>
+          </a:p>
+        </p:txBody>
+      </p:sp>
+    </p:spTree>
+    <p:extLst>
+      <p:ext uri="{BB962C8B-B14F-4D97-AF65-F5344CB8AC3E}">
+        <p14:creationId xmlns:p14="http://schemas.microsoft.com/office/powerpoint/2010/main" val="3662704074"/>
       </p:ext>
     </p:extLst>
   </p:cSld>
@@ -19972,876 +19055,6 @@
 </file>
 
 <file path=ppt/slides/slide5.xml><?xml version="1.0" encoding="utf-8"?>
-<p:sld xmlns:a="http://schemas.openxmlformats.org/drawingml/2006/main" xmlns:r="http://schemas.openxmlformats.org/officeDocument/2006/relationships" xmlns:p="http://schemas.openxmlformats.org/presentationml/2006/main">
-  <p:cSld>
-    <p:spTree>
-      <p:nvGrpSpPr>
-        <p:cNvPr id="1" name=""/>
-        <p:cNvGrpSpPr/>
-        <p:nvPr/>
-      </p:nvGrpSpPr>
-      <p:grpSpPr>
-        <a:xfrm>
-          <a:off x="0" y="0"/>
-          <a:ext cx="0" cy="0"/>
-          <a:chOff x="0" y="0"/>
-          <a:chExt cx="0" cy="0"/>
-        </a:xfrm>
-      </p:grpSpPr>
-      <p:sp>
-        <p:nvSpPr>
-          <p:cNvPr id="4" name="矩形 3">
-            <a:extLst>
-              <a:ext uri="{FF2B5EF4-FFF2-40B4-BE49-F238E27FC236}">
-                <a16:creationId xmlns:a16="http://schemas.microsoft.com/office/drawing/2014/main" id="{D2E6F3CD-2F2D-4F65-A205-9AC4E4D790C1}"/>
-              </a:ext>
-            </a:extLst>
-          </p:cNvPr>
-          <p:cNvSpPr/>
-          <p:nvPr/>
-        </p:nvSpPr>
-        <p:spPr>
-          <a:xfrm>
-            <a:off x="1371779" y="2773137"/>
-            <a:ext cx="2367642" cy="1129392"/>
-          </a:xfrm>
-          <a:prstGeom prst="rect">
-            <a:avLst/>
-          </a:prstGeom>
-          <a:ln>
-            <a:noFill/>
-          </a:ln>
-        </p:spPr>
-        <p:style>
-          <a:lnRef idx="2">
-            <a:schemeClr val="accent1">
-              <a:shade val="50000"/>
-            </a:schemeClr>
-          </a:lnRef>
-          <a:fillRef idx="1">
-            <a:schemeClr val="accent1"/>
-          </a:fillRef>
-          <a:effectRef idx="0">
-            <a:schemeClr val="accent1"/>
-          </a:effectRef>
-          <a:fontRef idx="minor">
-            <a:schemeClr val="lt1"/>
-          </a:fontRef>
-        </p:style>
-        <p:txBody>
-          <a:bodyPr rtlCol="0" anchor="ctr"/>
-          <a:lstStyle/>
-          <a:p>
-            <a:pPr algn="ctr"/>
-            <a:r>
-              <a:rPr lang="en-US" altLang="zh-CN" dirty="0"/>
-              <a:t>INITIALIZATION</a:t>
-            </a:r>
-            <a:endParaRPr lang="zh-CN" altLang="en-US" dirty="0"/>
-          </a:p>
-        </p:txBody>
-      </p:sp>
-      <p:cxnSp>
-        <p:nvCxnSpPr>
-          <p:cNvPr id="6" name="直接连接符 5">
-            <a:extLst>
-              <a:ext uri="{FF2B5EF4-FFF2-40B4-BE49-F238E27FC236}">
-                <a16:creationId xmlns:a16="http://schemas.microsoft.com/office/drawing/2014/main" id="{31AF9B6B-FA5E-4EBC-8417-E6AE3EB98638}"/>
-              </a:ext>
-            </a:extLst>
-          </p:cNvPr>
-          <p:cNvCxnSpPr>
-            <a:cxnSpLocks/>
-            <a:stCxn id="4" idx="2"/>
-          </p:cNvCxnSpPr>
-          <p:nvPr/>
-        </p:nvCxnSpPr>
-        <p:spPr>
-          <a:xfrm>
-            <a:off x="2555600" y="3902529"/>
-            <a:ext cx="0" cy="446314"/>
-          </a:xfrm>
-          <a:prstGeom prst="line">
-            <a:avLst/>
-          </a:prstGeom>
-          <a:ln w="25400"/>
-        </p:spPr>
-        <p:style>
-          <a:lnRef idx="1">
-            <a:schemeClr val="accent1"/>
-          </a:lnRef>
-          <a:fillRef idx="0">
-            <a:schemeClr val="accent1"/>
-          </a:fillRef>
-          <a:effectRef idx="0">
-            <a:schemeClr val="accent1"/>
-          </a:effectRef>
-          <a:fontRef idx="minor">
-            <a:schemeClr val="tx1"/>
-          </a:fontRef>
-        </p:style>
-      </p:cxnSp>
-      <p:sp>
-        <p:nvSpPr>
-          <p:cNvPr id="7" name="文本框 6">
-            <a:extLst>
-              <a:ext uri="{FF2B5EF4-FFF2-40B4-BE49-F238E27FC236}">
-                <a16:creationId xmlns:a16="http://schemas.microsoft.com/office/drawing/2014/main" id="{4A824C88-D114-419B-AC4A-E19A254AD50B}"/>
-              </a:ext>
-            </a:extLst>
-          </p:cNvPr>
-          <p:cNvSpPr txBox="1"/>
-          <p:nvPr/>
-        </p:nvSpPr>
-        <p:spPr>
-          <a:xfrm>
-            <a:off x="1435782" y="4466332"/>
-            <a:ext cx="2232884" cy="1077218"/>
-          </a:xfrm>
-          <a:prstGeom prst="rect">
-            <a:avLst/>
-          </a:prstGeom>
-          <a:noFill/>
-        </p:spPr>
-        <p:txBody>
-          <a:bodyPr wrap="square" rtlCol="0">
-            <a:spAutoFit/>
-          </a:bodyPr>
-          <a:lstStyle/>
-          <a:p>
-            <a:pPr marL="342900" indent="-342900">
-              <a:buAutoNum type="arabicPeriod"/>
-            </a:pPr>
-            <a:r>
-              <a:rPr lang="en-US" altLang="zh-CN" sz="1600" dirty="0" err="1">
-                <a:latin typeface="Bahnschrift SemiBold SemiConden" panose="020B0502040204020203" pitchFamily="34" charset="0"/>
-              </a:rPr>
-              <a:t>ProcessOptions</a:t>
-            </a:r>
-            <a:r>
-              <a:rPr lang="en-US" altLang="zh-CN" sz="1600" dirty="0">
-                <a:latin typeface="Bahnschrift SemiBold SemiConden" panose="020B0502040204020203" pitchFamily="34" charset="0"/>
-              </a:rPr>
-              <a:t>()</a:t>
-            </a:r>
-          </a:p>
-          <a:p>
-            <a:pPr marL="342900" indent="-342900">
-              <a:buAutoNum type="arabicPeriod"/>
-            </a:pPr>
-            <a:r>
-              <a:rPr lang="en-US" altLang="zh-CN" sz="1600" dirty="0" err="1">
-                <a:latin typeface="Bahnschrift SemiBold SemiConden" panose="020B0502040204020203" pitchFamily="34" charset="0"/>
-              </a:rPr>
-              <a:t>loadPackedgeList</a:t>
-            </a:r>
-            <a:r>
-              <a:rPr lang="en-US" altLang="zh-CN" sz="1600" dirty="0">
-                <a:latin typeface="Bahnschrift SemiBold SemiConden" panose="020B0502040204020203" pitchFamily="34" charset="0"/>
-              </a:rPr>
-              <a:t>()</a:t>
-            </a:r>
-          </a:p>
-          <a:p>
-            <a:pPr marL="342900" indent="-342900">
-              <a:buAutoNum type="arabicPeriod"/>
-            </a:pPr>
-            <a:r>
-              <a:rPr lang="en-US" altLang="zh-CN" sz="1600" dirty="0" err="1">
-                <a:latin typeface="Bahnschrift SemiBold SemiConden" panose="020B0502040204020203" pitchFamily="34" charset="0"/>
-              </a:rPr>
-              <a:t>getSystemInterface</a:t>
-            </a:r>
-            <a:r>
-              <a:rPr lang="en-US" altLang="zh-CN" sz="1600" dirty="0">
-                <a:latin typeface="Bahnschrift SemiBold SemiConden" panose="020B0502040204020203" pitchFamily="34" charset="0"/>
-              </a:rPr>
-              <a:t>()</a:t>
-            </a:r>
-          </a:p>
-          <a:p>
-            <a:pPr marL="342900" indent="-342900">
-              <a:buAutoNum type="arabicPeriod"/>
-            </a:pPr>
-            <a:r>
-              <a:rPr lang="en-US" altLang="zh-CN" sz="1600" dirty="0" err="1">
-                <a:latin typeface="Bahnschrift SemiBold SemiConden" panose="020B0502040204020203" pitchFamily="34" charset="0"/>
-              </a:rPr>
-              <a:t>getMainApps</a:t>
-            </a:r>
-            <a:r>
-              <a:rPr lang="en-US" altLang="zh-CN" sz="1600" dirty="0">
-                <a:latin typeface="Bahnschrift SemiBold SemiConden" panose="020B0502040204020203" pitchFamily="34" charset="0"/>
-              </a:rPr>
-              <a:t>()</a:t>
-            </a:r>
-            <a:endParaRPr lang="zh-CN" altLang="en-US" sz="1600" dirty="0">
-              <a:latin typeface="Bahnschrift SemiBold SemiConden" panose="020B0502040204020203" pitchFamily="34" charset="0"/>
-            </a:endParaRPr>
-          </a:p>
-        </p:txBody>
-      </p:sp>
-      <p:sp>
-        <p:nvSpPr>
-          <p:cNvPr id="11" name="矩形: 圆角 10">
-            <a:extLst>
-              <a:ext uri="{FF2B5EF4-FFF2-40B4-BE49-F238E27FC236}">
-                <a16:creationId xmlns:a16="http://schemas.microsoft.com/office/drawing/2014/main" id="{FA5A91ED-1080-459E-98A5-FEB7FA60DC84}"/>
-              </a:ext>
-            </a:extLst>
-          </p:cNvPr>
-          <p:cNvSpPr/>
-          <p:nvPr/>
-        </p:nvSpPr>
-        <p:spPr>
-          <a:xfrm>
-            <a:off x="1396941" y="4351564"/>
-            <a:ext cx="2271724" cy="1270728"/>
-          </a:xfrm>
-          <a:prstGeom prst="roundRect">
-            <a:avLst/>
-          </a:prstGeom>
-          <a:noFill/>
-          <a:ln w="38100">
-            <a:solidFill>
-              <a:schemeClr val="accent1"/>
-            </a:solidFill>
-          </a:ln>
-        </p:spPr>
-        <p:style>
-          <a:lnRef idx="2">
-            <a:schemeClr val="accent1">
-              <a:shade val="50000"/>
-            </a:schemeClr>
-          </a:lnRef>
-          <a:fillRef idx="1">
-            <a:schemeClr val="accent1"/>
-          </a:fillRef>
-          <a:effectRef idx="0">
-            <a:schemeClr val="accent1"/>
-          </a:effectRef>
-          <a:fontRef idx="minor">
-            <a:schemeClr val="lt1"/>
-          </a:fontRef>
-        </p:style>
-        <p:txBody>
-          <a:bodyPr rtlCol="0" anchor="ctr"/>
-          <a:lstStyle/>
-          <a:p>
-            <a:pPr algn="ctr"/>
-            <a:endParaRPr lang="zh-CN" altLang="en-US"/>
-          </a:p>
-        </p:txBody>
-      </p:sp>
-      <p:cxnSp>
-        <p:nvCxnSpPr>
-          <p:cNvPr id="17" name="直接箭头连接符 16">
-            <a:extLst>
-              <a:ext uri="{FF2B5EF4-FFF2-40B4-BE49-F238E27FC236}">
-                <a16:creationId xmlns:a16="http://schemas.microsoft.com/office/drawing/2014/main" id="{E312BAC6-7662-4CA9-A634-469779976E86}"/>
-              </a:ext>
-            </a:extLst>
-          </p:cNvPr>
-          <p:cNvCxnSpPr>
-            <a:cxnSpLocks/>
-            <a:stCxn id="4" idx="3"/>
-            <a:endCxn id="20" idx="1"/>
-          </p:cNvCxnSpPr>
-          <p:nvPr/>
-        </p:nvCxnSpPr>
-        <p:spPr>
-          <a:xfrm flipV="1">
-            <a:off x="3739421" y="2744561"/>
-            <a:ext cx="1061358" cy="593272"/>
-          </a:xfrm>
-          <a:prstGeom prst="straightConnector1">
-            <a:avLst/>
-          </a:prstGeom>
-          <a:ln w="25400">
-            <a:tailEnd type="triangle"/>
-          </a:ln>
-        </p:spPr>
-        <p:style>
-          <a:lnRef idx="1">
-            <a:schemeClr val="accent1"/>
-          </a:lnRef>
-          <a:fillRef idx="0">
-            <a:schemeClr val="accent1"/>
-          </a:fillRef>
-          <a:effectRef idx="0">
-            <a:schemeClr val="accent1"/>
-          </a:effectRef>
-          <a:fontRef idx="minor">
-            <a:schemeClr val="tx1"/>
-          </a:fontRef>
-        </p:style>
-      </p:cxnSp>
-      <p:sp>
-        <p:nvSpPr>
-          <p:cNvPr id="20" name="矩形 19">
-            <a:extLst>
-              <a:ext uri="{FF2B5EF4-FFF2-40B4-BE49-F238E27FC236}">
-                <a16:creationId xmlns:a16="http://schemas.microsoft.com/office/drawing/2014/main" id="{EDCB480C-A6A6-4EAD-B55A-649CD419B350}"/>
-              </a:ext>
-            </a:extLst>
-          </p:cNvPr>
-          <p:cNvSpPr/>
-          <p:nvPr/>
-        </p:nvSpPr>
-        <p:spPr>
-          <a:xfrm>
-            <a:off x="4800779" y="2238375"/>
-            <a:ext cx="2590442" cy="1012371"/>
-          </a:xfrm>
-          <a:prstGeom prst="rect">
-            <a:avLst/>
-          </a:prstGeom>
-          <a:ln>
-            <a:noFill/>
-          </a:ln>
-        </p:spPr>
-        <p:style>
-          <a:lnRef idx="2">
-            <a:schemeClr val="accent1">
-              <a:shade val="50000"/>
-            </a:schemeClr>
-          </a:lnRef>
-          <a:fillRef idx="1">
-            <a:schemeClr val="accent1"/>
-          </a:fillRef>
-          <a:effectRef idx="0">
-            <a:schemeClr val="accent1"/>
-          </a:effectRef>
-          <a:fontRef idx="minor">
-            <a:schemeClr val="lt1"/>
-          </a:fontRef>
-        </p:style>
-        <p:txBody>
-          <a:bodyPr rtlCol="0" anchor="ctr"/>
-          <a:lstStyle/>
-          <a:p>
-            <a:pPr algn="ctr"/>
-            <a:r>
-              <a:rPr lang="en-US" altLang="zh-CN" dirty="0" err="1"/>
-              <a:t>MonkeySourceScript</a:t>
-            </a:r>
-            <a:endParaRPr lang="zh-CN" altLang="en-US" dirty="0"/>
-          </a:p>
-        </p:txBody>
-      </p:sp>
-      <p:cxnSp>
-        <p:nvCxnSpPr>
-          <p:cNvPr id="21" name="直接箭头连接符 20">
-            <a:extLst>
-              <a:ext uri="{FF2B5EF4-FFF2-40B4-BE49-F238E27FC236}">
-                <a16:creationId xmlns:a16="http://schemas.microsoft.com/office/drawing/2014/main" id="{BA318849-AF73-49DF-A8AE-AB69333E6FDB}"/>
-              </a:ext>
-            </a:extLst>
-          </p:cNvPr>
-          <p:cNvCxnSpPr>
-            <a:cxnSpLocks/>
-            <a:stCxn id="4" idx="3"/>
-            <a:endCxn id="23" idx="1"/>
-          </p:cNvCxnSpPr>
-          <p:nvPr/>
-        </p:nvCxnSpPr>
-        <p:spPr>
-          <a:xfrm>
-            <a:off x="3739421" y="3337833"/>
-            <a:ext cx="1061358" cy="700767"/>
-          </a:xfrm>
-          <a:prstGeom prst="straightConnector1">
-            <a:avLst/>
-          </a:prstGeom>
-          <a:ln w="25400">
-            <a:tailEnd type="triangle"/>
-          </a:ln>
-        </p:spPr>
-        <p:style>
-          <a:lnRef idx="1">
-            <a:schemeClr val="accent1"/>
-          </a:lnRef>
-          <a:fillRef idx="0">
-            <a:schemeClr val="accent1"/>
-          </a:fillRef>
-          <a:effectRef idx="0">
-            <a:schemeClr val="accent1"/>
-          </a:effectRef>
-          <a:fontRef idx="minor">
-            <a:schemeClr val="tx1"/>
-          </a:fontRef>
-        </p:style>
-      </p:cxnSp>
-      <p:sp>
-        <p:nvSpPr>
-          <p:cNvPr id="23" name="矩形 22">
-            <a:extLst>
-              <a:ext uri="{FF2B5EF4-FFF2-40B4-BE49-F238E27FC236}">
-                <a16:creationId xmlns:a16="http://schemas.microsoft.com/office/drawing/2014/main" id="{C9AFDE30-2F60-4482-81E9-062FDA33020C}"/>
-              </a:ext>
-            </a:extLst>
-          </p:cNvPr>
-          <p:cNvSpPr/>
-          <p:nvPr/>
-        </p:nvSpPr>
-        <p:spPr>
-          <a:xfrm>
-            <a:off x="4800779" y="3532414"/>
-            <a:ext cx="2590442" cy="1012371"/>
-          </a:xfrm>
-          <a:prstGeom prst="rect">
-            <a:avLst/>
-          </a:prstGeom>
-          <a:ln>
-            <a:noFill/>
-          </a:ln>
-        </p:spPr>
-        <p:style>
-          <a:lnRef idx="2">
-            <a:schemeClr val="accent1">
-              <a:shade val="50000"/>
-            </a:schemeClr>
-          </a:lnRef>
-          <a:fillRef idx="1">
-            <a:schemeClr val="accent1"/>
-          </a:fillRef>
-          <a:effectRef idx="0">
-            <a:schemeClr val="accent1"/>
-          </a:effectRef>
-          <a:fontRef idx="minor">
-            <a:schemeClr val="lt1"/>
-          </a:fontRef>
-        </p:style>
-        <p:txBody>
-          <a:bodyPr rtlCol="0" anchor="ctr"/>
-          <a:lstStyle/>
-          <a:p>
-            <a:pPr algn="ctr"/>
-            <a:r>
-              <a:rPr lang="en-US" altLang="zh-CN" dirty="0" err="1"/>
-              <a:t>MonkeySourceRandom</a:t>
-            </a:r>
-            <a:endParaRPr lang="zh-CN" altLang="en-US" dirty="0"/>
-          </a:p>
-        </p:txBody>
-      </p:sp>
-      <p:cxnSp>
-        <p:nvCxnSpPr>
-          <p:cNvPr id="26" name="直接箭头连接符 25">
-            <a:extLst>
-              <a:ext uri="{FF2B5EF4-FFF2-40B4-BE49-F238E27FC236}">
-                <a16:creationId xmlns:a16="http://schemas.microsoft.com/office/drawing/2014/main" id="{90908CDA-EA41-40E8-B145-141573E490F1}"/>
-              </a:ext>
-            </a:extLst>
-          </p:cNvPr>
-          <p:cNvCxnSpPr>
-            <a:cxnSpLocks/>
-            <a:stCxn id="36" idx="1"/>
-            <a:endCxn id="20" idx="3"/>
-          </p:cNvCxnSpPr>
-          <p:nvPr/>
-        </p:nvCxnSpPr>
-        <p:spPr>
-          <a:xfrm flipH="1" flipV="1">
-            <a:off x="7391221" y="2744561"/>
-            <a:ext cx="1109316" cy="593272"/>
-          </a:xfrm>
-          <a:prstGeom prst="straightConnector1">
-            <a:avLst/>
-          </a:prstGeom>
-          <a:ln w="25400">
-            <a:tailEnd type="triangle"/>
-          </a:ln>
-        </p:spPr>
-        <p:style>
-          <a:lnRef idx="1">
-            <a:schemeClr val="accent1"/>
-          </a:lnRef>
-          <a:fillRef idx="0">
-            <a:schemeClr val="accent1"/>
-          </a:fillRef>
-          <a:effectRef idx="0">
-            <a:schemeClr val="accent1"/>
-          </a:effectRef>
-          <a:fontRef idx="minor">
-            <a:schemeClr val="tx1"/>
-          </a:fontRef>
-        </p:style>
-      </p:cxnSp>
-      <p:cxnSp>
-        <p:nvCxnSpPr>
-          <p:cNvPr id="29" name="直接箭头连接符 28">
-            <a:extLst>
-              <a:ext uri="{FF2B5EF4-FFF2-40B4-BE49-F238E27FC236}">
-                <a16:creationId xmlns:a16="http://schemas.microsoft.com/office/drawing/2014/main" id="{D0C39C45-4B26-4976-9BC2-D398E72DF2A4}"/>
-              </a:ext>
-            </a:extLst>
-          </p:cNvPr>
-          <p:cNvCxnSpPr>
-            <a:cxnSpLocks/>
-            <a:stCxn id="36" idx="1"/>
-            <a:endCxn id="23" idx="3"/>
-          </p:cNvCxnSpPr>
-          <p:nvPr/>
-        </p:nvCxnSpPr>
-        <p:spPr>
-          <a:xfrm flipH="1">
-            <a:off x="7391221" y="3337833"/>
-            <a:ext cx="1109316" cy="700767"/>
-          </a:xfrm>
-          <a:prstGeom prst="straightConnector1">
-            <a:avLst/>
-          </a:prstGeom>
-          <a:ln w="25400">
-            <a:tailEnd type="triangle"/>
-          </a:ln>
-        </p:spPr>
-        <p:style>
-          <a:lnRef idx="1">
-            <a:schemeClr val="accent1"/>
-          </a:lnRef>
-          <a:fillRef idx="0">
-            <a:schemeClr val="accent1"/>
-          </a:fillRef>
-          <a:effectRef idx="0">
-            <a:schemeClr val="accent1"/>
-          </a:effectRef>
-          <a:fontRef idx="minor">
-            <a:schemeClr val="tx1"/>
-          </a:fontRef>
-        </p:style>
-      </p:cxnSp>
-      <p:sp>
-        <p:nvSpPr>
-          <p:cNvPr id="36" name="矩形 35">
-            <a:extLst>
-              <a:ext uri="{FF2B5EF4-FFF2-40B4-BE49-F238E27FC236}">
-                <a16:creationId xmlns:a16="http://schemas.microsoft.com/office/drawing/2014/main" id="{20E406FE-8579-4587-8FBD-69D75BCDB96E}"/>
-              </a:ext>
-            </a:extLst>
-          </p:cNvPr>
-          <p:cNvSpPr/>
-          <p:nvPr/>
-        </p:nvSpPr>
-        <p:spPr>
-          <a:xfrm>
-            <a:off x="8500537" y="2773137"/>
-            <a:ext cx="2367642" cy="1129392"/>
-          </a:xfrm>
-          <a:prstGeom prst="rect">
-            <a:avLst/>
-          </a:prstGeom>
-          <a:ln>
-            <a:noFill/>
-          </a:ln>
-        </p:spPr>
-        <p:style>
-          <a:lnRef idx="2">
-            <a:schemeClr val="accent1">
-              <a:shade val="50000"/>
-            </a:schemeClr>
-          </a:lnRef>
-          <a:fillRef idx="1">
-            <a:schemeClr val="accent1"/>
-          </a:fillRef>
-          <a:effectRef idx="0">
-            <a:schemeClr val="accent1"/>
-          </a:effectRef>
-          <a:fontRef idx="minor">
-            <a:schemeClr val="lt1"/>
-          </a:fontRef>
-        </p:style>
-        <p:txBody>
-          <a:bodyPr rtlCol="0" anchor="ctr"/>
-          <a:lstStyle/>
-          <a:p>
-            <a:pPr algn="ctr"/>
-            <a:r>
-              <a:rPr lang="en-US" altLang="zh-CN" dirty="0"/>
-              <a:t>Events Generate</a:t>
-            </a:r>
-            <a:endParaRPr lang="zh-CN" altLang="en-US" dirty="0"/>
-          </a:p>
-        </p:txBody>
-      </p:sp>
-      <p:cxnSp>
-        <p:nvCxnSpPr>
-          <p:cNvPr id="58" name="直接连接符 57">
-            <a:extLst>
-              <a:ext uri="{FF2B5EF4-FFF2-40B4-BE49-F238E27FC236}">
-                <a16:creationId xmlns:a16="http://schemas.microsoft.com/office/drawing/2014/main" id="{B4B82C30-9977-4BC8-ABCB-AE9B96807443}"/>
-              </a:ext>
-            </a:extLst>
-          </p:cNvPr>
-          <p:cNvCxnSpPr>
-            <a:cxnSpLocks/>
-          </p:cNvCxnSpPr>
-          <p:nvPr/>
-        </p:nvCxnSpPr>
-        <p:spPr>
-          <a:xfrm flipH="1">
-            <a:off x="9688105" y="3902529"/>
-            <a:ext cx="1" cy="446314"/>
-          </a:xfrm>
-          <a:prstGeom prst="line">
-            <a:avLst/>
-          </a:prstGeom>
-          <a:ln w="25400"/>
-        </p:spPr>
-        <p:style>
-          <a:lnRef idx="1">
-            <a:schemeClr val="accent1"/>
-          </a:lnRef>
-          <a:fillRef idx="0">
-            <a:schemeClr val="accent1"/>
-          </a:fillRef>
-          <a:effectRef idx="0">
-            <a:schemeClr val="accent1"/>
-          </a:effectRef>
-          <a:fontRef idx="minor">
-            <a:schemeClr val="tx1"/>
-          </a:fontRef>
-        </p:style>
-      </p:cxnSp>
-      <p:sp>
-        <p:nvSpPr>
-          <p:cNvPr id="59" name="文本框 58">
-            <a:extLst>
-              <a:ext uri="{FF2B5EF4-FFF2-40B4-BE49-F238E27FC236}">
-                <a16:creationId xmlns:a16="http://schemas.microsoft.com/office/drawing/2014/main" id="{0EB530B7-14A7-4043-B982-0E8FBFFCD525}"/>
-              </a:ext>
-            </a:extLst>
-          </p:cNvPr>
-          <p:cNvSpPr txBox="1"/>
-          <p:nvPr/>
-        </p:nvSpPr>
-        <p:spPr>
-          <a:xfrm>
-            <a:off x="8571663" y="4466332"/>
-            <a:ext cx="2232884" cy="1077218"/>
-          </a:xfrm>
-          <a:prstGeom prst="rect">
-            <a:avLst/>
-          </a:prstGeom>
-          <a:noFill/>
-        </p:spPr>
-        <p:txBody>
-          <a:bodyPr wrap="square" rtlCol="0">
-            <a:spAutoFit/>
-          </a:bodyPr>
-          <a:lstStyle/>
-          <a:p>
-            <a:pPr marL="342900" indent="-342900">
-              <a:buAutoNum type="arabicPeriod"/>
-            </a:pPr>
-            <a:r>
-              <a:rPr lang="en-US" altLang="zh-CN" sz="1600" dirty="0" err="1">
-                <a:latin typeface="Bahnschrift SemiBold SemiConden" panose="020B0502040204020203" pitchFamily="34" charset="0"/>
-              </a:rPr>
-              <a:t>Event.setFactors</a:t>
-            </a:r>
-            <a:r>
-              <a:rPr lang="en-US" altLang="zh-CN" sz="1600" dirty="0">
-                <a:latin typeface="Bahnschrift SemiBold SemiConden" panose="020B0502040204020203" pitchFamily="34" charset="0"/>
-              </a:rPr>
-              <a:t>()</a:t>
-            </a:r>
-          </a:p>
-          <a:p>
-            <a:pPr marL="342900" indent="-342900">
-              <a:buAutoNum type="arabicPeriod"/>
-            </a:pPr>
-            <a:r>
-              <a:rPr lang="en-US" altLang="zh-CN" sz="1600" dirty="0" err="1">
-                <a:latin typeface="Bahnschrift SemiBold SemiConden" panose="020B0502040204020203" pitchFamily="34" charset="0"/>
-              </a:rPr>
-              <a:t>Event.validate</a:t>
-            </a:r>
-            <a:r>
-              <a:rPr lang="en-US" altLang="zh-CN" sz="1600" dirty="0">
-                <a:latin typeface="Bahnschrift SemiBold SemiConden" panose="020B0502040204020203" pitchFamily="34" charset="0"/>
-              </a:rPr>
-              <a:t>()</a:t>
-            </a:r>
-          </a:p>
-          <a:p>
-            <a:pPr marL="342900" indent="-342900">
-              <a:buAutoNum type="arabicPeriod"/>
-            </a:pPr>
-            <a:r>
-              <a:rPr lang="en-US" altLang="zh-CN" sz="1600" dirty="0" err="1">
-                <a:latin typeface="Bahnschrift SemiBold SemiConden" panose="020B0502040204020203" pitchFamily="34" charset="0"/>
-              </a:rPr>
-              <a:t>generateAcitvity</a:t>
-            </a:r>
-            <a:r>
-              <a:rPr lang="en-US" altLang="zh-CN" sz="1600" dirty="0">
-                <a:latin typeface="Bahnschrift SemiBold SemiConden" panose="020B0502040204020203" pitchFamily="34" charset="0"/>
-              </a:rPr>
-              <a:t>()</a:t>
-            </a:r>
-          </a:p>
-          <a:p>
-            <a:pPr marL="342900" indent="-342900">
-              <a:buAutoNum type="arabicPeriod"/>
-            </a:pPr>
-            <a:r>
-              <a:rPr lang="en-US" altLang="zh-CN" sz="1600" dirty="0" err="1">
-                <a:latin typeface="Bahnschrift SemiBold SemiConden" panose="020B0502040204020203" pitchFamily="34" charset="0"/>
-              </a:rPr>
-              <a:t>runMonkeyCycles</a:t>
-            </a:r>
-            <a:r>
-              <a:rPr lang="en-US" altLang="zh-CN" sz="1600" dirty="0">
-                <a:latin typeface="Bahnschrift SemiBold SemiConden" panose="020B0502040204020203" pitchFamily="34" charset="0"/>
-              </a:rPr>
-              <a:t>()</a:t>
-            </a:r>
-            <a:endParaRPr lang="zh-CN" altLang="en-US" sz="1600" dirty="0">
-              <a:latin typeface="Bahnschrift SemiBold SemiConden" panose="020B0502040204020203" pitchFamily="34" charset="0"/>
-            </a:endParaRPr>
-          </a:p>
-        </p:txBody>
-      </p:sp>
-      <p:sp>
-        <p:nvSpPr>
-          <p:cNvPr id="60" name="矩形: 圆角 59">
-            <a:extLst>
-              <a:ext uri="{FF2B5EF4-FFF2-40B4-BE49-F238E27FC236}">
-                <a16:creationId xmlns:a16="http://schemas.microsoft.com/office/drawing/2014/main" id="{7C984883-5EBB-4E0A-9010-F00FFC595F56}"/>
-              </a:ext>
-            </a:extLst>
-          </p:cNvPr>
-          <p:cNvSpPr/>
-          <p:nvPr/>
-        </p:nvSpPr>
-        <p:spPr>
-          <a:xfrm>
-            <a:off x="8532822" y="4351564"/>
-            <a:ext cx="2271724" cy="1270728"/>
-          </a:xfrm>
-          <a:prstGeom prst="roundRect">
-            <a:avLst/>
-          </a:prstGeom>
-          <a:noFill/>
-          <a:ln w="38100">
-            <a:solidFill>
-              <a:schemeClr val="accent1"/>
-            </a:solidFill>
-          </a:ln>
-        </p:spPr>
-        <p:style>
-          <a:lnRef idx="2">
-            <a:schemeClr val="accent1">
-              <a:shade val="50000"/>
-            </a:schemeClr>
-          </a:lnRef>
-          <a:fillRef idx="1">
-            <a:schemeClr val="accent1"/>
-          </a:fillRef>
-          <a:effectRef idx="0">
-            <a:schemeClr val="accent1"/>
-          </a:effectRef>
-          <a:fontRef idx="minor">
-            <a:schemeClr val="lt1"/>
-          </a:fontRef>
-        </p:style>
-        <p:txBody>
-          <a:bodyPr rtlCol="0" anchor="ctr"/>
-          <a:lstStyle/>
-          <a:p>
-            <a:pPr algn="ctr"/>
-            <a:endParaRPr lang="zh-CN" altLang="en-US"/>
-          </a:p>
-        </p:txBody>
-      </p:sp>
-      <p:sp>
-        <p:nvSpPr>
-          <p:cNvPr id="16" name="标题 1">
-            <a:extLst>
-              <a:ext uri="{FF2B5EF4-FFF2-40B4-BE49-F238E27FC236}">
-                <a16:creationId xmlns:a16="http://schemas.microsoft.com/office/drawing/2014/main" id="{06E7B08B-B767-44E0-A361-AAF610A930D2}"/>
-              </a:ext>
-            </a:extLst>
-          </p:cNvPr>
-          <p:cNvSpPr txBox="1">
-            <a:spLocks/>
-          </p:cNvSpPr>
-          <p:nvPr/>
-        </p:nvSpPr>
-        <p:spPr>
-          <a:xfrm>
-            <a:off x="805545" y="383964"/>
-            <a:ext cx="9601200" cy="1142385"/>
-          </a:xfrm>
-          <a:prstGeom prst="rect">
-            <a:avLst/>
-          </a:prstGeom>
-        </p:spPr>
-        <p:txBody>
-          <a:bodyPr vert="horz" lIns="91440" tIns="45720" rIns="91440" bIns="45720" rtlCol="0" anchor="b">
-            <a:normAutofit/>
-          </a:bodyPr>
-          <a:lstStyle>
-            <a:lvl1pPr algn="l" defTabSz="914400" rtl="0" eaLnBrk="1" latinLnBrk="0" hangingPunct="1">
-              <a:lnSpc>
-                <a:spcPct val="90000"/>
-              </a:lnSpc>
-              <a:spcBef>
-                <a:spcPct val="0"/>
-              </a:spcBef>
-              <a:buNone/>
-              <a:defRPr sz="3200" b="1" kern="1200">
-                <a:solidFill>
-                  <a:schemeClr val="accent1">
-                    <a:lumMod val="75000"/>
-                  </a:schemeClr>
-                </a:solidFill>
-                <a:latin typeface="微软雅黑" panose="020B0503020204020204" pitchFamily="34" charset="-122"/>
-                <a:ea typeface="微软雅黑" panose="020B0503020204020204" pitchFamily="34" charset="-122"/>
-                <a:cs typeface="+mj-cs"/>
-              </a:defRPr>
-            </a:lvl1pPr>
-          </a:lstStyle>
-          <a:p>
-            <a:pPr marL="457200" indent="-457200">
-              <a:buFont typeface="Arial" panose="020B0604020202020204" pitchFamily="34" charset="0"/>
-              <a:buChar char="•"/>
-            </a:pPr>
-            <a:r>
-              <a:rPr lang="en-US" altLang="zh-CN" dirty="0"/>
-              <a:t>The process of Monkey</a:t>
-            </a:r>
-            <a:endParaRPr lang="zh-CN" altLang="en-US" dirty="0"/>
-          </a:p>
-        </p:txBody>
-      </p:sp>
-    </p:spTree>
-    <p:extLst>
-      <p:ext uri="{BB962C8B-B14F-4D97-AF65-F5344CB8AC3E}">
-        <p14:creationId xmlns:p14="http://schemas.microsoft.com/office/powerpoint/2010/main" val="665838338"/>
-      </p:ext>
-    </p:extLst>
-  </p:cSld>
-  <p:clrMapOvr>
-    <a:masterClrMapping/>
-  </p:clrMapOvr>
-  <mc:AlternateContent xmlns:mc="http://schemas.openxmlformats.org/markup-compatibility/2006" xmlns:p14="http://schemas.microsoft.com/office/powerpoint/2010/main">
-    <mc:Choice Requires="p14">
-      <p:transition spd="med" p14:dur="700">
-        <p:fade/>
-      </p:transition>
-    </mc:Choice>
-    <mc:Fallback xmlns="">
-      <p:transition spd="med">
-        <p:fade/>
-      </p:transition>
-    </mc:Fallback>
-  </mc:AlternateContent>
-</p:sld>
-</file>
-
-<file path=ppt/slides/slide6.xml><?xml version="1.0" encoding="utf-8"?>
 <p:sld xmlns:a="http://schemas.openxmlformats.org/drawingml/2006/main" xmlns:r="http://schemas.openxmlformats.org/officeDocument/2006/relationships" xmlns:p="http://schemas.openxmlformats.org/presentationml/2006/main">
   <p:cSld>
     <p:spTree>
@@ -21245,106 +19458,7 @@
 </p:sld>
 </file>
 
-<file path=ppt/slides/slide7.xml><?xml version="1.0" encoding="utf-8"?>
-<p:sld xmlns:a="http://schemas.openxmlformats.org/drawingml/2006/main" xmlns:r="http://schemas.openxmlformats.org/officeDocument/2006/relationships" xmlns:p="http://schemas.openxmlformats.org/presentationml/2006/main">
-  <p:cSld>
-    <p:spTree>
-      <p:nvGrpSpPr>
-        <p:cNvPr id="1" name=""/>
-        <p:cNvGrpSpPr/>
-        <p:nvPr/>
-      </p:nvGrpSpPr>
-      <p:grpSpPr>
-        <a:xfrm>
-          <a:off x="0" y="0"/>
-          <a:ext cx="0" cy="0"/>
-          <a:chOff x="0" y="0"/>
-          <a:chExt cx="0" cy="0"/>
-        </a:xfrm>
-      </p:grpSpPr>
-      <p:sp>
-        <p:nvSpPr>
-          <p:cNvPr id="18" name="标题 1">
-            <a:extLst>
-              <a:ext uri="{FF2B5EF4-FFF2-40B4-BE49-F238E27FC236}">
-                <a16:creationId xmlns:a16="http://schemas.microsoft.com/office/drawing/2014/main" id="{FAFFE3E9-EFE1-47BA-B233-9B654DBEF2D1}"/>
-              </a:ext>
-            </a:extLst>
-          </p:cNvPr>
-          <p:cNvSpPr txBox="1">
-            <a:spLocks/>
-          </p:cNvSpPr>
-          <p:nvPr/>
-        </p:nvSpPr>
-        <p:spPr>
-          <a:xfrm>
-            <a:off x="755669" y="156100"/>
-            <a:ext cx="9601200" cy="1142385"/>
-          </a:xfrm>
-          <a:prstGeom prst="rect">
-            <a:avLst/>
-          </a:prstGeom>
-        </p:spPr>
-        <p:txBody>
-          <a:bodyPr vert="horz" lIns="91440" tIns="45720" rIns="91440" bIns="45720" rtlCol="0" anchor="b">
-            <a:normAutofit/>
-          </a:bodyPr>
-          <a:lstStyle>
-            <a:lvl1pPr algn="l" defTabSz="914400" rtl="0" eaLnBrk="1" latinLnBrk="0" hangingPunct="1">
-              <a:lnSpc>
-                <a:spcPct val="90000"/>
-              </a:lnSpc>
-              <a:spcBef>
-                <a:spcPct val="0"/>
-              </a:spcBef>
-              <a:buNone/>
-              <a:defRPr sz="3200" b="1" kern="1200">
-                <a:solidFill>
-                  <a:schemeClr val="accent1">
-                    <a:lumMod val="75000"/>
-                  </a:schemeClr>
-                </a:solidFill>
-                <a:latin typeface="微软雅黑" panose="020B0503020204020204" pitchFamily="34" charset="-122"/>
-                <a:ea typeface="微软雅黑" panose="020B0503020204020204" pitchFamily="34" charset="-122"/>
-                <a:cs typeface="+mj-cs"/>
-              </a:defRPr>
-            </a:lvl1pPr>
-          </a:lstStyle>
-          <a:p>
-            <a:r>
-              <a:rPr lang="en-US" altLang="zh-CN" sz="3000" dirty="0"/>
-              <a:t>TODO</a:t>
-            </a:r>
-            <a:endParaRPr lang="zh-CN" altLang="en-US" sz="3000" dirty="0"/>
-          </a:p>
-        </p:txBody>
-      </p:sp>
-    </p:spTree>
-    <p:extLst>
-      <p:ext uri="{BB962C8B-B14F-4D97-AF65-F5344CB8AC3E}">
-        <p14:creationId xmlns:p14="http://schemas.microsoft.com/office/powerpoint/2010/main" val="1036013793"/>
-      </p:ext>
-    </p:extLst>
-  </p:cSld>
-  <p:clrMapOvr>
-    <a:masterClrMapping/>
-  </p:clrMapOvr>
-  <mc:AlternateContent xmlns:mc="http://schemas.openxmlformats.org/markup-compatibility/2006" xmlns:p14="http://schemas.microsoft.com/office/powerpoint/2010/main">
-    <mc:Choice Requires="p14">
-      <p:transition spd="med" p14:dur="700">
-        <p:fade/>
-      </p:transition>
-    </mc:Choice>
-    <mc:Fallback xmlns="">
-      <p:transition spd="med">
-        <p:fade/>
-      </p:transition>
-    </mc:Fallback>
-  </mc:AlternateContent>
-</p:sld>
-</file>
-
-<file path=ppt/slides/slide8.xml><?xml version="1.0" encoding="utf-8"?>
+<file path=ppt/slides/slide6.xml><?xml version="1.0" encoding="utf-8"?>
 <p:sld xmlns:a="http://schemas.openxmlformats.org/drawingml/2006/main" xmlns:r="http://schemas.openxmlformats.org/officeDocument/2006/relationships" xmlns:p="http://schemas.openxmlformats.org/presentationml/2006/main">
   <p:cSld>
     <p:spTree>
@@ -21416,7 +19530,7 @@
 </p:sld>
 </file>
 
-<file path=ppt/slides/slide9.xml><?xml version="1.0" encoding="utf-8"?>
+<file path=ppt/slides/slide7.xml><?xml version="1.0" encoding="utf-8"?>
 <p:sld xmlns:a="http://schemas.openxmlformats.org/drawingml/2006/main" xmlns:r="http://schemas.openxmlformats.org/officeDocument/2006/relationships" xmlns:p="http://schemas.openxmlformats.org/presentationml/2006/main">
   <p:cSld>
     <p:spTree>
@@ -21847,6 +19961,974 @@
     <p:extLst>
       <p:ext uri="{BB962C8B-B14F-4D97-AF65-F5344CB8AC3E}">
         <p14:creationId xmlns:p14="http://schemas.microsoft.com/office/powerpoint/2010/main" val="3995077119"/>
+      </p:ext>
+    </p:extLst>
+  </p:cSld>
+  <p:clrMapOvr>
+    <a:masterClrMapping/>
+  </p:clrMapOvr>
+  <mc:AlternateContent xmlns:mc="http://schemas.openxmlformats.org/markup-compatibility/2006" xmlns:p14="http://schemas.microsoft.com/office/powerpoint/2010/main">
+    <mc:Choice Requires="p14">
+      <p:transition spd="med" p14:dur="700">
+        <p:fade/>
+      </p:transition>
+    </mc:Choice>
+    <mc:Fallback xmlns="">
+      <p:transition spd="med">
+        <p:fade/>
+      </p:transition>
+    </mc:Fallback>
+  </mc:AlternateContent>
+</p:sld>
+</file>
+
+<file path=ppt/slides/slide8.xml><?xml version="1.0" encoding="utf-8"?>
+<p:sld xmlns:a="http://schemas.openxmlformats.org/drawingml/2006/main" xmlns:r="http://schemas.openxmlformats.org/officeDocument/2006/relationships" xmlns:p="http://schemas.openxmlformats.org/presentationml/2006/main">
+  <p:cSld>
+    <p:spTree>
+      <p:nvGrpSpPr>
+        <p:cNvPr id="1" name=""/>
+        <p:cNvGrpSpPr/>
+        <p:nvPr/>
+      </p:nvGrpSpPr>
+      <p:grpSpPr>
+        <a:xfrm>
+          <a:off x="0" y="0"/>
+          <a:ext cx="0" cy="0"/>
+          <a:chOff x="0" y="0"/>
+          <a:chExt cx="0" cy="0"/>
+        </a:xfrm>
+      </p:grpSpPr>
+      <p:sp>
+        <p:nvSpPr>
+          <p:cNvPr id="16" name="标题 1">
+            <a:extLst>
+              <a:ext uri="{FF2B5EF4-FFF2-40B4-BE49-F238E27FC236}">
+                <a16:creationId xmlns:a16="http://schemas.microsoft.com/office/drawing/2014/main" id="{06E7B08B-B767-44E0-A361-AAF610A930D2}"/>
+              </a:ext>
+            </a:extLst>
+          </p:cNvPr>
+          <p:cNvSpPr txBox="1">
+            <a:spLocks/>
+          </p:cNvSpPr>
+          <p:nvPr/>
+        </p:nvSpPr>
+        <p:spPr>
+          <a:xfrm>
+            <a:off x="1077094" y="415637"/>
+            <a:ext cx="9601200" cy="1142385"/>
+          </a:xfrm>
+          <a:prstGeom prst="rect">
+            <a:avLst/>
+          </a:prstGeom>
+        </p:spPr>
+        <p:txBody>
+          <a:bodyPr vert="horz" lIns="91440" tIns="45720" rIns="91440" bIns="45720" rtlCol="0" anchor="b">
+            <a:normAutofit/>
+          </a:bodyPr>
+          <a:lstStyle>
+            <a:lvl1pPr algn="l" defTabSz="914400" rtl="0" eaLnBrk="1" latinLnBrk="0" hangingPunct="1">
+              <a:lnSpc>
+                <a:spcPct val="90000"/>
+              </a:lnSpc>
+              <a:spcBef>
+                <a:spcPct val="0"/>
+              </a:spcBef>
+              <a:buNone/>
+              <a:defRPr sz="3200" b="1" kern="1200">
+                <a:solidFill>
+                  <a:schemeClr val="accent1">
+                    <a:lumMod val="75000"/>
+                  </a:schemeClr>
+                </a:solidFill>
+                <a:latin typeface="微软雅黑" panose="020B0503020204020204" pitchFamily="34" charset="-122"/>
+                <a:ea typeface="微软雅黑" panose="020B0503020204020204" pitchFamily="34" charset="-122"/>
+                <a:cs typeface="+mj-cs"/>
+              </a:defRPr>
+            </a:lvl1pPr>
+          </a:lstStyle>
+          <a:p>
+            <a:pPr marL="457200" indent="-457200">
+              <a:buFont typeface="Arial" panose="020B0604020202020204" pitchFamily="34" charset="0"/>
+              <a:buChar char="•"/>
+            </a:pPr>
+            <a:r>
+              <a:rPr lang="en-US" altLang="zh-CN" sz="4000" dirty="0"/>
+              <a:t>Design flow</a:t>
+            </a:r>
+            <a:endParaRPr lang="zh-CN" altLang="en-US" sz="4000" dirty="0"/>
+          </a:p>
+        </p:txBody>
+      </p:sp>
+      <p:sp>
+        <p:nvSpPr>
+          <p:cNvPr id="4" name="文本框 3">
+            <a:extLst>
+              <a:ext uri="{FF2B5EF4-FFF2-40B4-BE49-F238E27FC236}">
+                <a16:creationId xmlns:a16="http://schemas.microsoft.com/office/drawing/2014/main" id="{B4DB7DD8-93CD-4292-AA26-6C4274B57AC4}"/>
+              </a:ext>
+            </a:extLst>
+          </p:cNvPr>
+          <p:cNvSpPr txBox="1"/>
+          <p:nvPr/>
+        </p:nvSpPr>
+        <p:spPr>
+          <a:xfrm>
+            <a:off x="1580507" y="2183985"/>
+            <a:ext cx="1533831" cy="1169551"/>
+          </a:xfrm>
+          <a:prstGeom prst="rect">
+            <a:avLst/>
+          </a:prstGeom>
+          <a:noFill/>
+        </p:spPr>
+        <p:txBody>
+          <a:bodyPr wrap="square" rtlCol="0">
+            <a:spAutoFit/>
+          </a:bodyPr>
+          <a:lstStyle/>
+          <a:p>
+            <a:r>
+              <a:rPr lang="zh-CN" altLang="en-US" sz="7000" dirty="0"/>
+              <a:t>💻</a:t>
+            </a:r>
+          </a:p>
+        </p:txBody>
+      </p:sp>
+      <p:sp>
+        <p:nvSpPr>
+          <p:cNvPr id="6" name="文本框 5">
+            <a:extLst>
+              <a:ext uri="{FF2B5EF4-FFF2-40B4-BE49-F238E27FC236}">
+                <a16:creationId xmlns:a16="http://schemas.microsoft.com/office/drawing/2014/main" id="{920AF453-F116-49A4-A6FF-C0A84E65C436}"/>
+              </a:ext>
+            </a:extLst>
+          </p:cNvPr>
+          <p:cNvSpPr txBox="1"/>
+          <p:nvPr/>
+        </p:nvSpPr>
+        <p:spPr>
+          <a:xfrm>
+            <a:off x="8870522" y="2126481"/>
+            <a:ext cx="1080655" cy="1169551"/>
+          </a:xfrm>
+          <a:prstGeom prst="rect">
+            <a:avLst/>
+          </a:prstGeom>
+          <a:noFill/>
+        </p:spPr>
+        <p:txBody>
+          <a:bodyPr wrap="square" rtlCol="0">
+            <a:spAutoFit/>
+          </a:bodyPr>
+          <a:lstStyle/>
+          <a:p>
+            <a:r>
+              <a:rPr lang="zh-CN" altLang="en-US" sz="7000" dirty="0"/>
+              <a:t>📱</a:t>
+            </a:r>
+          </a:p>
+        </p:txBody>
+      </p:sp>
+      <p:sp>
+        <p:nvSpPr>
+          <p:cNvPr id="5" name="文本框 4">
+            <a:extLst>
+              <a:ext uri="{FF2B5EF4-FFF2-40B4-BE49-F238E27FC236}">
+                <a16:creationId xmlns:a16="http://schemas.microsoft.com/office/drawing/2014/main" id="{6D872C21-3E77-4756-AA51-DCAC63813588}"/>
+              </a:ext>
+            </a:extLst>
+          </p:cNvPr>
+          <p:cNvSpPr txBox="1"/>
+          <p:nvPr/>
+        </p:nvSpPr>
+        <p:spPr>
+          <a:xfrm>
+            <a:off x="5216075" y="4683226"/>
+            <a:ext cx="1313411" cy="861774"/>
+          </a:xfrm>
+          <a:prstGeom prst="rect">
+            <a:avLst/>
+          </a:prstGeom>
+          <a:noFill/>
+        </p:spPr>
+        <p:txBody>
+          <a:bodyPr wrap="square" rtlCol="0">
+            <a:spAutoFit/>
+          </a:bodyPr>
+          <a:lstStyle/>
+          <a:p>
+            <a:r>
+              <a:rPr lang="zh-CN" altLang="en-US" sz="5000" dirty="0"/>
+              <a:t> 🤖</a:t>
+            </a:r>
+          </a:p>
+        </p:txBody>
+      </p:sp>
+      <p:cxnSp>
+        <p:nvCxnSpPr>
+          <p:cNvPr id="8" name="直接箭头连接符 7">
+            <a:extLst>
+              <a:ext uri="{FF2B5EF4-FFF2-40B4-BE49-F238E27FC236}">
+                <a16:creationId xmlns:a16="http://schemas.microsoft.com/office/drawing/2014/main" id="{3825B9EC-BD70-413F-8BA1-D4F374310192}"/>
+              </a:ext>
+            </a:extLst>
+          </p:cNvPr>
+          <p:cNvCxnSpPr>
+            <a:cxnSpLocks/>
+          </p:cNvCxnSpPr>
+          <p:nvPr/>
+        </p:nvCxnSpPr>
+        <p:spPr>
+          <a:xfrm>
+            <a:off x="2770909" y="3222858"/>
+            <a:ext cx="2593571" cy="1942117"/>
+          </a:xfrm>
+          <a:prstGeom prst="straightConnector1">
+            <a:avLst/>
+          </a:prstGeom>
+          <a:ln w="38100" cmpd="sng">
+            <a:headEnd type="arrow" w="lg" len="med"/>
+            <a:tailEnd type="arrow" w="lg" len="med"/>
+          </a:ln>
+        </p:spPr>
+        <p:style>
+          <a:lnRef idx="1">
+            <a:schemeClr val="accent1"/>
+          </a:lnRef>
+          <a:fillRef idx="0">
+            <a:schemeClr val="accent1"/>
+          </a:fillRef>
+          <a:effectRef idx="0">
+            <a:schemeClr val="accent1"/>
+          </a:effectRef>
+          <a:fontRef idx="minor">
+            <a:schemeClr val="tx1"/>
+          </a:fontRef>
+        </p:style>
+      </p:cxnSp>
+      <p:cxnSp>
+        <p:nvCxnSpPr>
+          <p:cNvPr id="10" name="直接箭头连接符 9">
+            <a:extLst>
+              <a:ext uri="{FF2B5EF4-FFF2-40B4-BE49-F238E27FC236}">
+                <a16:creationId xmlns:a16="http://schemas.microsoft.com/office/drawing/2014/main" id="{78594FAC-F731-4F97-B979-F5B6B9916399}"/>
+              </a:ext>
+            </a:extLst>
+          </p:cNvPr>
+          <p:cNvCxnSpPr>
+            <a:cxnSpLocks/>
+          </p:cNvCxnSpPr>
+          <p:nvPr/>
+        </p:nvCxnSpPr>
+        <p:spPr>
+          <a:xfrm flipH="1">
+            <a:off x="6395259" y="3353536"/>
+            <a:ext cx="2665614" cy="1811439"/>
+          </a:xfrm>
+          <a:prstGeom prst="straightConnector1">
+            <a:avLst/>
+          </a:prstGeom>
+          <a:ln w="38100" cmpd="sng">
+            <a:headEnd type="arrow" w="lg" len="med"/>
+            <a:tailEnd type="none" w="lg" len="med"/>
+          </a:ln>
+        </p:spPr>
+        <p:style>
+          <a:lnRef idx="1">
+            <a:schemeClr val="accent1"/>
+          </a:lnRef>
+          <a:fillRef idx="0">
+            <a:schemeClr val="accent1"/>
+          </a:fillRef>
+          <a:effectRef idx="0">
+            <a:schemeClr val="accent1"/>
+          </a:effectRef>
+          <a:fontRef idx="minor">
+            <a:schemeClr val="tx1"/>
+          </a:fontRef>
+        </p:style>
+      </p:cxnSp>
+      <p:cxnSp>
+        <p:nvCxnSpPr>
+          <p:cNvPr id="19" name="直接箭头连接符 18">
+            <a:extLst>
+              <a:ext uri="{FF2B5EF4-FFF2-40B4-BE49-F238E27FC236}">
+                <a16:creationId xmlns:a16="http://schemas.microsoft.com/office/drawing/2014/main" id="{B22D6355-3791-4277-9683-440136B0EE30}"/>
+              </a:ext>
+            </a:extLst>
+          </p:cNvPr>
+          <p:cNvCxnSpPr>
+            <a:cxnSpLocks/>
+          </p:cNvCxnSpPr>
+          <p:nvPr/>
+        </p:nvCxnSpPr>
+        <p:spPr>
+          <a:xfrm flipH="1">
+            <a:off x="2992582" y="2768761"/>
+            <a:ext cx="5818909" cy="0"/>
+          </a:xfrm>
+          <a:prstGeom prst="straightConnector1">
+            <a:avLst/>
+          </a:prstGeom>
+          <a:ln w="38100" cmpd="sng">
+            <a:headEnd type="none" w="lg" len="med"/>
+            <a:tailEnd type="arrow" w="lg" len="med"/>
+          </a:ln>
+        </p:spPr>
+        <p:style>
+          <a:lnRef idx="1">
+            <a:schemeClr val="accent1"/>
+          </a:lnRef>
+          <a:fillRef idx="0">
+            <a:schemeClr val="accent1"/>
+          </a:fillRef>
+          <a:effectRef idx="0">
+            <a:schemeClr val="accent1"/>
+          </a:effectRef>
+          <a:fontRef idx="minor">
+            <a:schemeClr val="tx1"/>
+          </a:fontRef>
+        </p:style>
+      </p:cxnSp>
+      <p:sp>
+        <p:nvSpPr>
+          <p:cNvPr id="45" name="文本框 44">
+            <a:extLst>
+              <a:ext uri="{FF2B5EF4-FFF2-40B4-BE49-F238E27FC236}">
+                <a16:creationId xmlns:a16="http://schemas.microsoft.com/office/drawing/2014/main" id="{9A9C2D94-0671-47E7-89EC-EFC2E048F6FA}"/>
+              </a:ext>
+            </a:extLst>
+          </p:cNvPr>
+          <p:cNvSpPr txBox="1"/>
+          <p:nvPr/>
+        </p:nvSpPr>
+        <p:spPr>
+          <a:xfrm>
+            <a:off x="4239610" y="2315998"/>
+            <a:ext cx="4404956" cy="861774"/>
+          </a:xfrm>
+          <a:prstGeom prst="rect">
+            <a:avLst/>
+          </a:prstGeom>
+          <a:noFill/>
+        </p:spPr>
+        <p:txBody>
+          <a:bodyPr wrap="square" rtlCol="0">
+            <a:spAutoFit/>
+          </a:bodyPr>
+          <a:lstStyle/>
+          <a:p>
+            <a:pPr marL="342900" indent="-342900">
+              <a:buAutoNum type="arabicPeriod"/>
+            </a:pPr>
+            <a:r>
+              <a:rPr lang="en-US" altLang="zh-CN" sz="2500" dirty="0">
+                <a:latin typeface="Bahnschrift SemiBold SemiConden" panose="020B0502040204020203" pitchFamily="34" charset="0"/>
+                <a:ea typeface="微软雅黑" panose="020B0503020204020204" pitchFamily="34" charset="-122"/>
+              </a:rPr>
+              <a:t>Read current state</a:t>
+            </a:r>
+          </a:p>
+          <a:p>
+            <a:pPr marL="342900" indent="-342900">
+              <a:buAutoNum type="arabicPeriod"/>
+            </a:pPr>
+            <a:r>
+              <a:rPr lang="en-US" altLang="zh-CN" sz="2500" dirty="0">
+                <a:latin typeface="Bahnschrift SemiBold SemiConden" panose="020B0502040204020203" pitchFamily="34" charset="0"/>
+                <a:ea typeface="微软雅黑" panose="020B0503020204020204" pitchFamily="34" charset="-122"/>
+              </a:rPr>
+              <a:t>Read current widgets</a:t>
+            </a:r>
+            <a:endParaRPr lang="zh-CN" altLang="en-US" sz="2500" dirty="0">
+              <a:latin typeface="Bahnschrift SemiBold SemiConden" panose="020B0502040204020203" pitchFamily="34" charset="0"/>
+              <a:ea typeface="微软雅黑" panose="020B0503020204020204" pitchFamily="34" charset="-122"/>
+            </a:endParaRPr>
+          </a:p>
+        </p:txBody>
+      </p:sp>
+      <p:sp>
+        <p:nvSpPr>
+          <p:cNvPr id="56" name="文本框 55">
+            <a:extLst>
+              <a:ext uri="{FF2B5EF4-FFF2-40B4-BE49-F238E27FC236}">
+                <a16:creationId xmlns:a16="http://schemas.microsoft.com/office/drawing/2014/main" id="{3F3BAA16-1809-4400-B7B9-E48469483398}"/>
+              </a:ext>
+            </a:extLst>
+          </p:cNvPr>
+          <p:cNvSpPr txBox="1"/>
+          <p:nvPr/>
+        </p:nvSpPr>
+        <p:spPr>
+          <a:xfrm>
+            <a:off x="1173068" y="2480356"/>
+            <a:ext cx="587431" cy="477054"/>
+          </a:xfrm>
+          <a:prstGeom prst="rect">
+            <a:avLst/>
+          </a:prstGeom>
+          <a:noFill/>
+        </p:spPr>
+        <p:txBody>
+          <a:bodyPr wrap="square" rtlCol="0">
+            <a:spAutoFit/>
+          </a:bodyPr>
+          <a:lstStyle/>
+          <a:p>
+            <a:r>
+              <a:rPr lang="en-US" altLang="zh-CN" sz="2500" dirty="0">
+                <a:solidFill>
+                  <a:schemeClr val="accent1"/>
+                </a:solidFill>
+                <a:latin typeface="Bahnschrift SemiBold SemiConden" panose="020B0502040204020203" pitchFamily="34" charset="0"/>
+                <a:ea typeface="微软雅黑" panose="020B0503020204020204" pitchFamily="34" charset="-122"/>
+              </a:rPr>
+              <a:t>PC</a:t>
+            </a:r>
+            <a:endParaRPr lang="zh-CN" altLang="en-US" sz="2500" dirty="0">
+              <a:solidFill>
+                <a:schemeClr val="accent1"/>
+              </a:solidFill>
+              <a:latin typeface="Bahnschrift SemiBold SemiConden" panose="020B0502040204020203" pitchFamily="34" charset="0"/>
+              <a:ea typeface="微软雅黑" panose="020B0503020204020204" pitchFamily="34" charset="-122"/>
+            </a:endParaRPr>
+          </a:p>
+        </p:txBody>
+      </p:sp>
+      <p:sp>
+        <p:nvSpPr>
+          <p:cNvPr id="57" name="文本框 56">
+            <a:extLst>
+              <a:ext uri="{FF2B5EF4-FFF2-40B4-BE49-F238E27FC236}">
+                <a16:creationId xmlns:a16="http://schemas.microsoft.com/office/drawing/2014/main" id="{A8FC0D08-5992-4131-B00E-05385A0CC0B6}"/>
+              </a:ext>
+            </a:extLst>
+          </p:cNvPr>
+          <p:cNvSpPr txBox="1"/>
+          <p:nvPr/>
+        </p:nvSpPr>
+        <p:spPr>
+          <a:xfrm>
+            <a:off x="9777177" y="2301683"/>
+            <a:ext cx="1438728" cy="861774"/>
+          </a:xfrm>
+          <a:prstGeom prst="rect">
+            <a:avLst/>
+          </a:prstGeom>
+          <a:noFill/>
+        </p:spPr>
+        <p:txBody>
+          <a:bodyPr wrap="square" rtlCol="0">
+            <a:spAutoFit/>
+          </a:bodyPr>
+          <a:lstStyle/>
+          <a:p>
+            <a:r>
+              <a:rPr lang="en-US" altLang="zh-CN" sz="2500" dirty="0">
+                <a:solidFill>
+                  <a:schemeClr val="accent1"/>
+                </a:solidFill>
+                <a:latin typeface="Bahnschrift SemiBold SemiConden" panose="020B0502040204020203" pitchFamily="34" charset="0"/>
+                <a:ea typeface="微软雅黑" panose="020B0503020204020204" pitchFamily="34" charset="-122"/>
+              </a:rPr>
+              <a:t>Android</a:t>
+            </a:r>
+          </a:p>
+          <a:p>
+            <a:r>
+              <a:rPr lang="en-US" altLang="zh-CN" sz="2500" dirty="0">
+                <a:solidFill>
+                  <a:schemeClr val="accent1"/>
+                </a:solidFill>
+                <a:latin typeface="Bahnschrift SemiBold SemiConden" panose="020B0502040204020203" pitchFamily="34" charset="0"/>
+                <a:ea typeface="微软雅黑" panose="020B0503020204020204" pitchFamily="34" charset="-122"/>
+              </a:rPr>
+              <a:t>Device</a:t>
+            </a:r>
+            <a:endParaRPr lang="zh-CN" altLang="en-US" sz="2500" dirty="0">
+              <a:solidFill>
+                <a:schemeClr val="accent1"/>
+              </a:solidFill>
+              <a:latin typeface="Bahnschrift SemiBold SemiConden" panose="020B0502040204020203" pitchFamily="34" charset="0"/>
+              <a:ea typeface="微软雅黑" panose="020B0503020204020204" pitchFamily="34" charset="-122"/>
+            </a:endParaRPr>
+          </a:p>
+        </p:txBody>
+      </p:sp>
+      <p:sp>
+        <p:nvSpPr>
+          <p:cNvPr id="58" name="文本框 57">
+            <a:extLst>
+              <a:ext uri="{FF2B5EF4-FFF2-40B4-BE49-F238E27FC236}">
+                <a16:creationId xmlns:a16="http://schemas.microsoft.com/office/drawing/2014/main" id="{C7741887-50E0-473E-9F15-9B6389AEFE9F}"/>
+              </a:ext>
+            </a:extLst>
+          </p:cNvPr>
+          <p:cNvSpPr txBox="1"/>
+          <p:nvPr/>
+        </p:nvSpPr>
+        <p:spPr>
+          <a:xfrm>
+            <a:off x="5464234" y="5379397"/>
+            <a:ext cx="1204750" cy="477054"/>
+          </a:xfrm>
+          <a:prstGeom prst="rect">
+            <a:avLst/>
+          </a:prstGeom>
+          <a:noFill/>
+        </p:spPr>
+        <p:txBody>
+          <a:bodyPr wrap="square" rtlCol="0">
+            <a:spAutoFit/>
+          </a:bodyPr>
+          <a:lstStyle/>
+          <a:p>
+            <a:r>
+              <a:rPr lang="en-US" altLang="zh-CN" sz="2500" dirty="0">
+                <a:solidFill>
+                  <a:schemeClr val="accent1"/>
+                </a:solidFill>
+                <a:latin typeface="Bahnschrift SemiBold SemiConden" panose="020B0502040204020203" pitchFamily="34" charset="0"/>
+                <a:ea typeface="微软雅黑" panose="020B0503020204020204" pitchFamily="34" charset="-122"/>
+              </a:rPr>
+              <a:t>Agent</a:t>
+            </a:r>
+            <a:endParaRPr lang="zh-CN" altLang="en-US" sz="2500" dirty="0">
+              <a:solidFill>
+                <a:schemeClr val="accent1"/>
+              </a:solidFill>
+              <a:latin typeface="Bahnschrift SemiBold SemiConden" panose="020B0502040204020203" pitchFamily="34" charset="0"/>
+              <a:ea typeface="微软雅黑" panose="020B0503020204020204" pitchFamily="34" charset="-122"/>
+            </a:endParaRPr>
+          </a:p>
+        </p:txBody>
+      </p:sp>
+      <p:sp>
+        <p:nvSpPr>
+          <p:cNvPr id="59" name="文本框 58">
+            <a:extLst>
+              <a:ext uri="{FF2B5EF4-FFF2-40B4-BE49-F238E27FC236}">
+                <a16:creationId xmlns:a16="http://schemas.microsoft.com/office/drawing/2014/main" id="{51210F5A-EF5A-4654-ADB0-331A1EBA7A8C}"/>
+              </a:ext>
+            </a:extLst>
+          </p:cNvPr>
+          <p:cNvSpPr txBox="1"/>
+          <p:nvPr/>
+        </p:nvSpPr>
+        <p:spPr>
+          <a:xfrm rot="2238725">
+            <a:off x="2114436" y="4507755"/>
+            <a:ext cx="4404956" cy="477054"/>
+          </a:xfrm>
+          <a:prstGeom prst="rect">
+            <a:avLst/>
+          </a:prstGeom>
+          <a:noFill/>
+        </p:spPr>
+        <p:txBody>
+          <a:bodyPr wrap="square" rtlCol="0">
+            <a:spAutoFit/>
+          </a:bodyPr>
+          <a:lstStyle/>
+          <a:p>
+            <a:r>
+              <a:rPr lang="en-US" altLang="zh-CN" sz="2500" dirty="0">
+                <a:latin typeface="Bahnschrift SemiBold SemiConden" panose="020B0502040204020203" pitchFamily="34" charset="0"/>
+                <a:ea typeface="微软雅黑" panose="020B0503020204020204" pitchFamily="34" charset="-122"/>
+              </a:rPr>
+              <a:t>3. </a:t>
+            </a:r>
+            <a:r>
+              <a:rPr lang="en-US" altLang="zh-CN" sz="2400" dirty="0">
+                <a:latin typeface="Bahnschrift SemiBold SemiConden" panose="020B0502040204020203" pitchFamily="34" charset="0"/>
+                <a:ea typeface="微软雅黑" panose="020B0503020204020204" pitchFamily="34" charset="-122"/>
+              </a:rPr>
+              <a:t>Generate the next event  </a:t>
+            </a:r>
+          </a:p>
+        </p:txBody>
+      </p:sp>
+      <p:sp>
+        <p:nvSpPr>
+          <p:cNvPr id="68" name="文本框 67">
+            <a:extLst>
+              <a:ext uri="{FF2B5EF4-FFF2-40B4-BE49-F238E27FC236}">
+                <a16:creationId xmlns:a16="http://schemas.microsoft.com/office/drawing/2014/main" id="{09E6B84A-93B9-4B68-8537-DCC9B6453843}"/>
+              </a:ext>
+            </a:extLst>
+          </p:cNvPr>
+          <p:cNvSpPr txBox="1"/>
+          <p:nvPr/>
+        </p:nvSpPr>
+        <p:spPr>
+          <a:xfrm rot="19531139">
+            <a:off x="6253122" y="3753676"/>
+            <a:ext cx="4404956" cy="477054"/>
+          </a:xfrm>
+          <a:prstGeom prst="rect">
+            <a:avLst/>
+          </a:prstGeom>
+          <a:noFill/>
+        </p:spPr>
+        <p:txBody>
+          <a:bodyPr wrap="square" rtlCol="0">
+            <a:spAutoFit/>
+          </a:bodyPr>
+          <a:lstStyle/>
+          <a:p>
+            <a:r>
+              <a:rPr lang="en-US" altLang="zh-CN" sz="2500" dirty="0">
+                <a:latin typeface="Bahnschrift SemiBold SemiConden" panose="020B0502040204020203" pitchFamily="34" charset="0"/>
+                <a:ea typeface="微软雅黑" panose="020B0503020204020204" pitchFamily="34" charset="-122"/>
+              </a:rPr>
+              <a:t>4. Operate the event</a:t>
+            </a:r>
+            <a:r>
+              <a:rPr lang="en-US" altLang="zh-CN" sz="2400" dirty="0">
+                <a:latin typeface="Bahnschrift SemiBold SemiConden" panose="020B0502040204020203" pitchFamily="34" charset="0"/>
+                <a:ea typeface="微软雅黑" panose="020B0503020204020204" pitchFamily="34" charset="-122"/>
+              </a:rPr>
+              <a:t> </a:t>
+            </a:r>
+          </a:p>
+        </p:txBody>
+      </p:sp>
+    </p:spTree>
+    <p:extLst>
+      <p:ext uri="{BB962C8B-B14F-4D97-AF65-F5344CB8AC3E}">
+        <p14:creationId xmlns:p14="http://schemas.microsoft.com/office/powerpoint/2010/main" val="1493884965"/>
+      </p:ext>
+    </p:extLst>
+  </p:cSld>
+  <p:clrMapOvr>
+    <a:masterClrMapping/>
+  </p:clrMapOvr>
+  <mc:AlternateContent xmlns:mc="http://schemas.openxmlformats.org/markup-compatibility/2006" xmlns:p14="http://schemas.microsoft.com/office/powerpoint/2010/main">
+    <mc:Choice Requires="p14">
+      <p:transition spd="med" p14:dur="700">
+        <p:fade/>
+      </p:transition>
+    </mc:Choice>
+    <mc:Fallback xmlns="">
+      <p:transition spd="med">
+        <p:fade/>
+      </p:transition>
+    </mc:Fallback>
+  </mc:AlternateContent>
+</p:sld>
+</file>
+
+<file path=ppt/slides/slide9.xml><?xml version="1.0" encoding="utf-8"?>
+<p:sld xmlns:a="http://schemas.openxmlformats.org/drawingml/2006/main" xmlns:r="http://schemas.openxmlformats.org/officeDocument/2006/relationships" xmlns:p="http://schemas.openxmlformats.org/presentationml/2006/main">
+  <p:cSld>
+    <p:spTree>
+      <p:nvGrpSpPr>
+        <p:cNvPr id="1" name=""/>
+        <p:cNvGrpSpPr/>
+        <p:nvPr/>
+      </p:nvGrpSpPr>
+      <p:grpSpPr>
+        <a:xfrm>
+          <a:off x="0" y="0"/>
+          <a:ext cx="0" cy="0"/>
+          <a:chOff x="0" y="0"/>
+          <a:chExt cx="0" cy="0"/>
+        </a:xfrm>
+      </p:grpSpPr>
+      <p:sp>
+        <p:nvSpPr>
+          <p:cNvPr id="18" name="标题 1">
+            <a:extLst>
+              <a:ext uri="{FF2B5EF4-FFF2-40B4-BE49-F238E27FC236}">
+                <a16:creationId xmlns:a16="http://schemas.microsoft.com/office/drawing/2014/main" id="{FAFFE3E9-EFE1-47BA-B233-9B654DBEF2D1}"/>
+              </a:ext>
+            </a:extLst>
+          </p:cNvPr>
+          <p:cNvSpPr txBox="1">
+            <a:spLocks/>
+          </p:cNvSpPr>
+          <p:nvPr/>
+        </p:nvSpPr>
+        <p:spPr>
+          <a:xfrm>
+            <a:off x="755669" y="156100"/>
+            <a:ext cx="9601200" cy="1142385"/>
+          </a:xfrm>
+          <a:prstGeom prst="rect">
+            <a:avLst/>
+          </a:prstGeom>
+        </p:spPr>
+        <p:txBody>
+          <a:bodyPr vert="horz" lIns="91440" tIns="45720" rIns="91440" bIns="45720" rtlCol="0" anchor="b">
+            <a:normAutofit/>
+          </a:bodyPr>
+          <a:lstStyle>
+            <a:lvl1pPr algn="l" defTabSz="914400" rtl="0" eaLnBrk="1" latinLnBrk="0" hangingPunct="1">
+              <a:lnSpc>
+                <a:spcPct val="90000"/>
+              </a:lnSpc>
+              <a:spcBef>
+                <a:spcPct val="0"/>
+              </a:spcBef>
+              <a:buNone/>
+              <a:defRPr sz="3200" b="1" kern="1200">
+                <a:solidFill>
+                  <a:schemeClr val="accent1">
+                    <a:lumMod val="75000"/>
+                  </a:schemeClr>
+                </a:solidFill>
+                <a:latin typeface="微软雅黑" panose="020B0503020204020204" pitchFamily="34" charset="-122"/>
+                <a:ea typeface="微软雅黑" panose="020B0503020204020204" pitchFamily="34" charset="-122"/>
+                <a:cs typeface="+mj-cs"/>
+              </a:defRPr>
+            </a:lvl1pPr>
+          </a:lstStyle>
+          <a:p>
+            <a:r>
+              <a:rPr lang="en-US" altLang="zh-CN" sz="3000" dirty="0"/>
+              <a:t>1. Read current state  </a:t>
+            </a:r>
+            <a:endParaRPr lang="zh-CN" altLang="en-US" sz="3000" dirty="0"/>
+          </a:p>
+        </p:txBody>
+      </p:sp>
+      <p:pic>
+        <p:nvPicPr>
+          <p:cNvPr id="3" name="图片 2">
+            <a:extLst>
+              <a:ext uri="{FF2B5EF4-FFF2-40B4-BE49-F238E27FC236}">
+                <a16:creationId xmlns:a16="http://schemas.microsoft.com/office/drawing/2014/main" id="{D58785AE-50DB-443E-9AE3-6CFB9766B3CA}"/>
+              </a:ext>
+            </a:extLst>
+          </p:cNvPr>
+          <p:cNvPicPr>
+            <a:picLocks noChangeAspect="1"/>
+          </p:cNvPicPr>
+          <p:nvPr/>
+        </p:nvPicPr>
+        <p:blipFill>
+          <a:blip r:embed="rId2"/>
+          <a:stretch>
+            <a:fillRect/>
+          </a:stretch>
+        </p:blipFill>
+        <p:spPr>
+          <a:xfrm>
+            <a:off x="796497" y="1943621"/>
+            <a:ext cx="1896826" cy="4110504"/>
+          </a:xfrm>
+          <a:prstGeom prst="rect">
+            <a:avLst/>
+          </a:prstGeom>
+        </p:spPr>
+      </p:pic>
+      <p:cxnSp>
+        <p:nvCxnSpPr>
+          <p:cNvPr id="22" name="直接箭头连接符 21">
+            <a:extLst>
+              <a:ext uri="{FF2B5EF4-FFF2-40B4-BE49-F238E27FC236}">
+                <a16:creationId xmlns:a16="http://schemas.microsoft.com/office/drawing/2014/main" id="{48469E21-5A2A-49F3-8939-F1A50028F318}"/>
+              </a:ext>
+            </a:extLst>
+          </p:cNvPr>
+          <p:cNvCxnSpPr>
+            <a:cxnSpLocks/>
+          </p:cNvCxnSpPr>
+          <p:nvPr/>
+        </p:nvCxnSpPr>
+        <p:spPr>
+          <a:xfrm>
+            <a:off x="3164379" y="3738579"/>
+            <a:ext cx="1959628" cy="0"/>
+          </a:xfrm>
+          <a:prstGeom prst="straightConnector1">
+            <a:avLst/>
+          </a:prstGeom>
+          <a:ln w="38100" cmpd="sng">
+            <a:headEnd type="none" w="lg" len="med"/>
+            <a:tailEnd type="arrow" w="lg" len="med"/>
+          </a:ln>
+        </p:spPr>
+        <p:style>
+          <a:lnRef idx="1">
+            <a:schemeClr val="accent1"/>
+          </a:lnRef>
+          <a:fillRef idx="0">
+            <a:schemeClr val="accent1"/>
+          </a:fillRef>
+          <a:effectRef idx="0">
+            <a:schemeClr val="accent1"/>
+          </a:effectRef>
+          <a:fontRef idx="minor">
+            <a:schemeClr val="tx1"/>
+          </a:fontRef>
+        </p:style>
+      </p:cxnSp>
+      <p:sp>
+        <p:nvSpPr>
+          <p:cNvPr id="24" name="文本框 23">
+            <a:extLst>
+              <a:ext uri="{FF2B5EF4-FFF2-40B4-BE49-F238E27FC236}">
+                <a16:creationId xmlns:a16="http://schemas.microsoft.com/office/drawing/2014/main" id="{973B9DF3-8CFF-4A0D-8965-5B9D422B31E4}"/>
+              </a:ext>
+            </a:extLst>
+          </p:cNvPr>
+          <p:cNvSpPr txBox="1"/>
+          <p:nvPr/>
+        </p:nvSpPr>
+        <p:spPr>
+          <a:xfrm>
+            <a:off x="3757413" y="3338468"/>
+            <a:ext cx="615024" cy="400110"/>
+          </a:xfrm>
+          <a:prstGeom prst="rect">
+            <a:avLst/>
+          </a:prstGeom>
+          <a:noFill/>
+        </p:spPr>
+        <p:txBody>
+          <a:bodyPr wrap="square" rtlCol="0">
+            <a:spAutoFit/>
+          </a:bodyPr>
+          <a:lstStyle/>
+          <a:p>
+            <a:r>
+              <a:rPr lang="en-US" altLang="zh-CN" sz="2000" dirty="0">
+                <a:solidFill>
+                  <a:schemeClr val="accent1"/>
+                </a:solidFill>
+                <a:latin typeface="Bahnschrift SemiBold SemiConden" panose="020B0502040204020203" pitchFamily="34" charset="0"/>
+                <a:ea typeface="微软雅黑" panose="020B0503020204020204" pitchFamily="34" charset="-122"/>
+              </a:rPr>
+              <a:t>ADB</a:t>
+            </a:r>
+            <a:endParaRPr lang="en-US" altLang="zh-CN" sz="1600" dirty="0">
+              <a:latin typeface="Bahnschrift SemiBold SemiConden" panose="020B0502040204020203" pitchFamily="34" charset="0"/>
+              <a:ea typeface="微软雅黑" panose="020B0503020204020204" pitchFamily="34" charset="-122"/>
+            </a:endParaRPr>
+          </a:p>
+        </p:txBody>
+      </p:sp>
+      <p:sp>
+        <p:nvSpPr>
+          <p:cNvPr id="25" name="文本框 24">
+            <a:extLst>
+              <a:ext uri="{FF2B5EF4-FFF2-40B4-BE49-F238E27FC236}">
+                <a16:creationId xmlns:a16="http://schemas.microsoft.com/office/drawing/2014/main" id="{95BF1612-09D7-4E34-9615-7F18B82424A7}"/>
+              </a:ext>
+            </a:extLst>
+          </p:cNvPr>
+          <p:cNvSpPr txBox="1"/>
+          <p:nvPr/>
+        </p:nvSpPr>
+        <p:spPr>
+          <a:xfrm>
+            <a:off x="3292631" y="3738578"/>
+            <a:ext cx="4404956" cy="400110"/>
+          </a:xfrm>
+          <a:prstGeom prst="rect">
+            <a:avLst/>
+          </a:prstGeom>
+          <a:noFill/>
+        </p:spPr>
+        <p:txBody>
+          <a:bodyPr wrap="square" rtlCol="0">
+            <a:spAutoFit/>
+          </a:bodyPr>
+          <a:lstStyle/>
+          <a:p>
+            <a:r>
+              <a:rPr lang="en-US" altLang="zh-CN" sz="2000" dirty="0">
+                <a:solidFill>
+                  <a:schemeClr val="accent1"/>
+                </a:solidFill>
+                <a:latin typeface="Bahnschrift SemiBold SemiConden" panose="020B0502040204020203" pitchFamily="34" charset="0"/>
+                <a:ea typeface="微软雅黑" panose="020B0503020204020204" pitchFamily="34" charset="-122"/>
+              </a:rPr>
+              <a:t>+ UIAutomator</a:t>
+            </a:r>
+          </a:p>
+        </p:txBody>
+      </p:sp>
+      <p:pic>
+        <p:nvPicPr>
+          <p:cNvPr id="10" name="图片 9">
+            <a:extLst>
+              <a:ext uri="{FF2B5EF4-FFF2-40B4-BE49-F238E27FC236}">
+                <a16:creationId xmlns:a16="http://schemas.microsoft.com/office/drawing/2014/main" id="{33305F5B-6C5F-446D-83FE-BD9F9A23D261}"/>
+              </a:ext>
+            </a:extLst>
+          </p:cNvPr>
+          <p:cNvPicPr>
+            <a:picLocks noChangeAspect="1"/>
+          </p:cNvPicPr>
+          <p:nvPr/>
+        </p:nvPicPr>
+        <p:blipFill rotWithShape="1">
+          <a:blip r:embed="rId3"/>
+          <a:srcRect r="890"/>
+          <a:stretch/>
+        </p:blipFill>
+        <p:spPr>
+          <a:xfrm>
+            <a:off x="5432907" y="2521216"/>
+            <a:ext cx="5962596" cy="3532909"/>
+          </a:xfrm>
+          <a:prstGeom prst="rect">
+            <a:avLst/>
+          </a:prstGeom>
+        </p:spPr>
+      </p:pic>
+      <p:sp>
+        <p:nvSpPr>
+          <p:cNvPr id="12" name="文本框 11">
+            <a:extLst>
+              <a:ext uri="{FF2B5EF4-FFF2-40B4-BE49-F238E27FC236}">
+                <a16:creationId xmlns:a16="http://schemas.microsoft.com/office/drawing/2014/main" id="{A63BEFCD-3F4C-4686-8E7F-82AD4D1915B2}"/>
+              </a:ext>
+            </a:extLst>
+          </p:cNvPr>
+          <p:cNvSpPr txBox="1"/>
+          <p:nvPr/>
+        </p:nvSpPr>
+        <p:spPr>
+          <a:xfrm>
+            <a:off x="7652462" y="1899287"/>
+            <a:ext cx="2371898" cy="477054"/>
+          </a:xfrm>
+          <a:prstGeom prst="rect">
+            <a:avLst/>
+          </a:prstGeom>
+        </p:spPr>
+        <p:txBody>
+          <a:bodyPr wrap="square" rtlCol="0">
+            <a:spAutoFit/>
+          </a:bodyPr>
+          <a:lstStyle/>
+          <a:p>
+            <a:r>
+              <a:rPr lang="zh-CN" altLang="en-US" sz="2300" dirty="0"/>
+              <a:t>📜</a:t>
+            </a:r>
+            <a:r>
+              <a:rPr lang="en-US" altLang="zh-CN" sz="2500" dirty="0">
+                <a:latin typeface="Bahnschrift SemiBold SemiConden" panose="020B0502040204020203" pitchFamily="34" charset="0"/>
+                <a:ea typeface="微软雅黑" panose="020B0503020204020204" pitchFamily="34" charset="-122"/>
+              </a:rPr>
+              <a:t>xx.xml</a:t>
+            </a:r>
+            <a:endParaRPr lang="zh-CN" altLang="en-US" sz="2500" dirty="0">
+              <a:latin typeface="Bahnschrift SemiBold SemiConden" panose="020B0502040204020203" pitchFamily="34" charset="0"/>
+              <a:ea typeface="微软雅黑" panose="020B0503020204020204" pitchFamily="34" charset="-122"/>
+            </a:endParaRPr>
+          </a:p>
+        </p:txBody>
+      </p:sp>
+    </p:spTree>
+    <p:extLst>
+      <p:ext uri="{BB962C8B-B14F-4D97-AF65-F5344CB8AC3E}">
+        <p14:creationId xmlns:p14="http://schemas.microsoft.com/office/powerpoint/2010/main" val="3507961569"/>
       </p:ext>
     </p:extLst>
   </p:cSld>
